--- a/mta_project/EDA_MTA_Presentation_Slides.pptx
+++ b/mta_project/EDA_MTA_Presentation_Slides.pptx
@@ -11,11 +11,12 @@
     <p:sldId id="264" r:id="rId5"/>
     <p:sldId id="257" r:id="rId6"/>
     <p:sldId id="274" r:id="rId7"/>
-    <p:sldId id="276" r:id="rId8"/>
-    <p:sldId id="273" r:id="rId9"/>
-    <p:sldId id="260" r:id="rId10"/>
-    <p:sldId id="270" r:id="rId11"/>
-    <p:sldId id="277" r:id="rId12"/>
+    <p:sldId id="278" r:id="rId8"/>
+    <p:sldId id="260" r:id="rId9"/>
+    <p:sldId id="276" r:id="rId10"/>
+    <p:sldId id="273" r:id="rId11"/>
+    <p:sldId id="270" r:id="rId12"/>
+    <p:sldId id="277" r:id="rId13"/>
   </p:sldIdLst>
   <p:sldSz cx="12192000" cy="6858000"/>
   <p:notesSz cx="6858000" cy="9144000"/>
@@ -458,7 +459,7 @@
             <a:fld id="{5923F103-BC34-4FE4-A40E-EDDEECFDA5D0}" type="datetimeFigureOut">
               <a:rPr lang="en-US" dirty="0"/>
               <a:pPr/>
-              <a:t>9/16/21</a:t>
+              <a:t>9/17/21</a:t>
             </a:fld>
             <a:endParaRPr lang="en-US" dirty="0"/>
           </a:p>
@@ -1542,7 +1543,7 @@
           <a:p>
             <a:fld id="{923A1CC3-2375-41D4-9E03-427CAF2A4C1A}" type="datetimeFigureOut">
               <a:rPr lang="en-US" dirty="0"/>
-              <a:t>9/16/21</a:t>
+              <a:t>9/17/21</a:t>
             </a:fld>
             <a:endParaRPr lang="en-US" dirty="0"/>
           </a:p>
@@ -2518,7 +2519,7 @@
           <a:p>
             <a:fld id="{AFF16868-8199-4C2C-A5B1-63AEE139F88E}" type="datetimeFigureOut">
               <a:rPr lang="en-US" dirty="0"/>
-              <a:t>9/16/21</a:t>
+              <a:t>9/17/21</a:t>
             </a:fld>
             <a:endParaRPr lang="en-US" dirty="0"/>
           </a:p>
@@ -3648,7 +3649,7 @@
           <a:p>
             <a:fld id="{AAD9FF7F-6988-44CC-821B-644E70CD2F73}" type="datetimeFigureOut">
               <a:rPr lang="en-US" dirty="0"/>
-              <a:t>9/16/21</a:t>
+              <a:t>9/17/21</a:t>
             </a:fld>
             <a:endParaRPr lang="en-US" dirty="0"/>
           </a:p>
@@ -4677,7 +4678,7 @@
           <a:p>
             <a:fld id="{5C12C299-16B2-4475-990D-751901EACC14}" type="datetimeFigureOut">
               <a:rPr lang="en-US" dirty="0"/>
-              <a:t>9/16/21</a:t>
+              <a:t>9/17/21</a:t>
             </a:fld>
             <a:endParaRPr lang="en-US" dirty="0"/>
           </a:p>
@@ -5333,7 +5334,7 @@
           <a:p>
             <a:fld id="{9FE86839-B9D8-4651-8783-F325ECE74E65}" type="datetimeFigureOut">
               <a:rPr lang="en-US" dirty="0"/>
-              <a:t>9/16/21</a:t>
+              <a:t>9/17/21</a:t>
             </a:fld>
             <a:endParaRPr lang="en-US" dirty="0"/>
           </a:p>
@@ -6190,7 +6191,7 @@
           <a:p>
             <a:fld id="{FD484F64-32F6-45C5-931F-ADC1662401D0}" type="datetimeFigureOut">
               <a:rPr lang="en-US" dirty="0"/>
-              <a:t>9/16/21</a:t>
+              <a:t>9/17/21</a:t>
             </a:fld>
             <a:endParaRPr lang="en-US" dirty="0"/>
           </a:p>
@@ -6376,7 +6377,7 @@
           <a:p>
             <a:fld id="{53086D93-FCAC-47E0-A2EE-787E62CA814C}" type="datetimeFigureOut">
               <a:rPr lang="en-US" dirty="0"/>
-              <a:t>9/16/21</a:t>
+              <a:t>9/17/21</a:t>
             </a:fld>
             <a:endParaRPr lang="en-US" dirty="0"/>
           </a:p>
@@ -7344,7 +7345,7 @@
           <a:p>
             <a:fld id="{CDA879A6-0FD0-4734-A311-86BFCA472E6E}" type="datetimeFigureOut">
               <a:rPr lang="en-US" dirty="0"/>
-              <a:t>9/16/21</a:t>
+              <a:t>9/17/21</a:t>
             </a:fld>
             <a:endParaRPr lang="en-US" dirty="0"/>
           </a:p>
@@ -7551,7 +7552,7 @@
           <a:p>
             <a:fld id="{19C9CA7B-DFD4-44B5-8C60-D14B8CD1FB59}" type="datetimeFigureOut">
               <a:rPr lang="en-US" dirty="0"/>
-              <a:t>9/16/21</a:t>
+              <a:t>9/17/21</a:t>
             </a:fld>
             <a:endParaRPr lang="en-US" dirty="0"/>
           </a:p>
@@ -8581,7 +8582,7 @@
           <a:p>
             <a:fld id="{F34E6425-0181-43F2-84FC-787E803FD2F8}" type="datetimeFigureOut">
               <a:rPr lang="en-US" dirty="0"/>
-              <a:t>9/16/21</a:t>
+              <a:t>9/17/21</a:t>
             </a:fld>
             <a:endParaRPr lang="en-US" dirty="0"/>
           </a:p>
@@ -8849,7 +8850,7 @@
           <a:p>
             <a:fld id="{3BDB8791-F1B0-41E7-B7FD-A781E65C4266}" type="datetimeFigureOut">
               <a:rPr lang="en-US" dirty="0"/>
-              <a:t>9/16/21</a:t>
+              <a:t>9/17/21</a:t>
             </a:fld>
             <a:endParaRPr lang="en-US" dirty="0"/>
           </a:p>
@@ -9255,7 +9256,7 @@
           <a:p>
             <a:fld id="{5FDD63B2-E120-4ED8-B27B-C685F510A5FE}" type="datetimeFigureOut">
               <a:rPr lang="en-US" dirty="0"/>
-              <a:t>9/16/21</a:t>
+              <a:t>9/17/21</a:t>
             </a:fld>
             <a:endParaRPr lang="en-US" dirty="0"/>
           </a:p>
@@ -9378,7 +9379,7 @@
           <a:p>
             <a:fld id="{7AA18ACC-A947-437B-A130-35BD54FDF1E9}" type="datetimeFigureOut">
               <a:rPr lang="en-US" dirty="0"/>
-              <a:t>9/16/21</a:t>
+              <a:t>9/17/21</a:t>
             </a:fld>
             <a:endParaRPr lang="en-US" dirty="0"/>
           </a:p>
@@ -9469,7 +9470,7 @@
           <a:p>
             <a:fld id="{7C8D7E02-BCB8-4D50-A234-369438C08659}" type="datetimeFigureOut">
               <a:rPr lang="en-US" dirty="0"/>
-              <a:t>9/16/21</a:t>
+              <a:t>9/17/21</a:t>
             </a:fld>
             <a:endParaRPr lang="en-US" dirty="0"/>
           </a:p>
@@ -10546,7 +10547,7 @@
           <a:p>
             <a:fld id="{76E86A4C-8E40-4F87-A4F0-01A0687C5742}" type="datetimeFigureOut">
               <a:rPr lang="en-US" dirty="0"/>
-              <a:t>9/16/21</a:t>
+              <a:t>9/17/21</a:t>
             </a:fld>
             <a:endParaRPr lang="en-US" dirty="0"/>
           </a:p>
@@ -11650,7 +11651,7 @@
           <a:p>
             <a:fld id="{35E72C73-2D91-4E12-BA25-F0AA0C03599B}" type="datetimeFigureOut">
               <a:rPr lang="en-US" dirty="0"/>
-              <a:t>9/16/21</a:t>
+              <a:t>9/17/21</a:t>
             </a:fld>
             <a:endParaRPr lang="en-US" dirty="0"/>
           </a:p>
@@ -12643,7 +12644,7 @@
           <a:p>
             <a:fld id="{2BE451C3-0FF4-47C4-B829-773ADF60F88C}" type="datetimeFigureOut">
               <a:rPr lang="en-US" dirty="0"/>
-              <a:t>9/16/21</a:t>
+              <a:t>9/17/21</a:t>
             </a:fld>
             <a:endParaRPr lang="en-US" dirty="0"/>
           </a:p>
@@ -13767,6 +13768,504 @@
   <p:cSld>
     <p:bg>
       <p:bgPr>
+        <a:blipFill rotWithShape="1">
+          <a:blip r:embed="rId2">
+            <a:duotone>
+              <a:schemeClr val="bg2">
+                <a:shade val="69000"/>
+                <a:hueMod val="91000"/>
+                <a:satMod val="164000"/>
+                <a:lumMod val="74000"/>
+              </a:schemeClr>
+              <a:schemeClr val="bg2">
+                <a:hueMod val="124000"/>
+                <a:satMod val="140000"/>
+                <a:lumMod val="142000"/>
+              </a:schemeClr>
+            </a:duotone>
+          </a:blip>
+          <a:stretch/>
+        </a:blipFill>
+        <a:effectLst/>
+      </p:bgPr>
+    </p:bg>
+    <p:spTree>
+      <p:nvGrpSpPr>
+        <p:cNvPr id="1" name=""/>
+        <p:cNvGrpSpPr/>
+        <p:nvPr/>
+      </p:nvGrpSpPr>
+      <p:grpSpPr>
+        <a:xfrm>
+          <a:off x="0" y="0"/>
+          <a:ext cx="0" cy="0"/>
+          <a:chOff x="0" y="0"/>
+          <a:chExt cx="0" cy="0"/>
+        </a:xfrm>
+      </p:grpSpPr>
+      <p:sp useBgFill="1">
+        <p:nvSpPr>
+          <p:cNvPr id="8" name="Rectangle 7">
+            <a:extLst>
+              <a:ext uri="{FF2B5EF4-FFF2-40B4-BE49-F238E27FC236}">
+                <a16:creationId xmlns:a16="http://schemas.microsoft.com/office/drawing/2014/main" id="{C314C310-850D-4491-AA52-C75BEA68B68C}"/>
+              </a:ext>
+              <a:ext uri="{C183D7F6-B498-43B3-948B-1728B52AA6E4}">
+                <adec:decorative xmlns:adec="http://schemas.microsoft.com/office/drawing/2017/decorative" val="1"/>
+              </a:ext>
+            </a:extLst>
+          </p:cNvPr>
+          <p:cNvSpPr>
+            <a:spLocks noGrp="1" noRot="1" noChangeAspect="1" noMove="1" noResize="1" noEditPoints="1" noAdjustHandles="1" noChangeArrowheads="1" noChangeShapeType="1" noTextEdit="1"/>
+          </p:cNvSpPr>
+          <p:nvPr>
+            <p:extLst>
+              <p:ext uri="{386F3935-93C4-4BCD-93E2-E3B085C9AB24}">
+                <p16:designElem xmlns:p16="http://schemas.microsoft.com/office/powerpoint/2015/main" val="1"/>
+              </p:ext>
+            </p:extLst>
+          </p:nvPr>
+        </p:nvSpPr>
+        <p:spPr>
+          <a:xfrm>
+            <a:off x="0" y="0"/>
+            <a:ext cx="12192000" cy="6858000"/>
+          </a:xfrm>
+          <a:prstGeom prst="rect">
+            <a:avLst/>
+          </a:prstGeom>
+          <a:ln>
+            <a:noFill/>
+          </a:ln>
+        </p:spPr>
+        <p:style>
+          <a:lnRef idx="2">
+            <a:schemeClr val="accent1">
+              <a:shade val="50000"/>
+            </a:schemeClr>
+          </a:lnRef>
+          <a:fillRef idx="1">
+            <a:schemeClr val="accent1"/>
+          </a:fillRef>
+          <a:effectRef idx="0">
+            <a:schemeClr val="accent1"/>
+          </a:effectRef>
+          <a:fontRef idx="minor">
+            <a:schemeClr val="lt1"/>
+          </a:fontRef>
+        </p:style>
+        <p:txBody>
+          <a:bodyPr rtlCol="0" anchor="ctr"/>
+          <a:lstStyle/>
+          <a:p>
+            <a:pPr algn="ctr"/>
+            <a:endParaRPr lang="en-US"/>
+          </a:p>
+        </p:txBody>
+      </p:sp>
+      <p:grpSp>
+        <p:nvGrpSpPr>
+          <p:cNvPr id="10" name="Group 9">
+            <a:extLst>
+              <a:ext uri="{FF2B5EF4-FFF2-40B4-BE49-F238E27FC236}">
+                <a16:creationId xmlns:a16="http://schemas.microsoft.com/office/drawing/2014/main" id="{D4EC3799-3F52-48CE-85CC-83AED368EB42}"/>
+              </a:ext>
+              <a:ext uri="{C183D7F6-B498-43B3-948B-1728B52AA6E4}">
+                <adec:decorative xmlns:adec="http://schemas.microsoft.com/office/drawing/2017/decorative" val="1"/>
+              </a:ext>
+            </a:extLst>
+          </p:cNvPr>
+          <p:cNvGrpSpPr>
+            <a:grpSpLocks noGrp="1" noUngrp="1" noRot="1" noChangeAspect="1" noMove="1" noResize="1"/>
+          </p:cNvGrpSpPr>
+          <p:nvPr>
+            <p:extLst>
+              <p:ext uri="{386F3935-93C4-4BCD-93E2-E3B085C9AB24}">
+                <p16:designElem xmlns:p16="http://schemas.microsoft.com/office/powerpoint/2015/main" val="1"/>
+              </p:ext>
+            </p:extLst>
+          </p:nvPr>
+        </p:nvGrpSpPr>
+        <p:grpSpPr>
+          <a:xfrm>
+            <a:off x="0" y="0"/>
+            <a:ext cx="12192000" cy="6858000"/>
+            <a:chOff x="0" y="0"/>
+            <a:chExt cx="12192000" cy="6858000"/>
+          </a:xfrm>
+        </p:grpSpPr>
+        <p:sp>
+          <p:nvSpPr>
+            <p:cNvPr id="11" name="Rectangle 10">
+              <a:extLst>
+                <a:ext uri="{FF2B5EF4-FFF2-40B4-BE49-F238E27FC236}">
+                  <a16:creationId xmlns:a16="http://schemas.microsoft.com/office/drawing/2014/main" id="{F3FC2939-BF10-4CBC-904B-74A17D4B9C35}"/>
+                </a:ext>
+                <a:ext uri="{C183D7F6-B498-43B3-948B-1728B52AA6E4}">
+                  <adec:decorative xmlns:adec="http://schemas.microsoft.com/office/drawing/2017/decorative" val="1"/>
+                </a:ext>
+              </a:extLst>
+            </p:cNvPr>
+            <p:cNvSpPr/>
+            <p:nvPr>
+              <p:extLst>
+                <p:ext uri="{386F3935-93C4-4BCD-93E2-E3B085C9AB24}">
+                  <p16:designElem xmlns:p16="http://schemas.microsoft.com/office/powerpoint/2015/main" val="1"/>
+                </p:ext>
+              </p:extLst>
+            </p:nvPr>
+          </p:nvSpPr>
+          <p:spPr>
+            <a:xfrm>
+              <a:off x="0" y="0"/>
+              <a:ext cx="12192000" cy="6858000"/>
+            </a:xfrm>
+            <a:prstGeom prst="rect">
+              <a:avLst/>
+            </a:prstGeom>
+            <a:noFill/>
+            <a:ln>
+              <a:noFill/>
+            </a:ln>
+          </p:spPr>
+          <p:style>
+            <a:lnRef idx="2">
+              <a:schemeClr val="accent1">
+                <a:shade val="50000"/>
+              </a:schemeClr>
+            </a:lnRef>
+            <a:fillRef idx="1">
+              <a:schemeClr val="accent1"/>
+            </a:fillRef>
+            <a:effectRef idx="0">
+              <a:schemeClr val="accent1"/>
+            </a:effectRef>
+            <a:fontRef idx="minor">
+              <a:schemeClr val="lt1"/>
+            </a:fontRef>
+          </p:style>
+        </p:sp>
+        <p:sp>
+          <p:nvSpPr>
+            <p:cNvPr id="12" name="Freeform 5">
+              <a:extLst>
+                <a:ext uri="{FF2B5EF4-FFF2-40B4-BE49-F238E27FC236}">
+                  <a16:creationId xmlns:a16="http://schemas.microsoft.com/office/drawing/2014/main" id="{266B6D5D-11B6-40A6-9CEF-F0B0D104C5C6}"/>
+                </a:ext>
+                <a:ext uri="{C183D7F6-B498-43B3-948B-1728B52AA6E4}">
+                  <adec:decorative xmlns:adec="http://schemas.microsoft.com/office/drawing/2017/decorative" val="1"/>
+                </a:ext>
+              </a:extLst>
+            </p:cNvPr>
+            <p:cNvSpPr>
+              <a:spLocks noEditPoints="1"/>
+            </p:cNvSpPr>
+            <p:nvPr>
+              <p:extLst>
+                <p:ext uri="{386F3935-93C4-4BCD-93E2-E3B085C9AB24}">
+                  <p16:designElem xmlns:p16="http://schemas.microsoft.com/office/powerpoint/2015/main" val="1"/>
+                </p:ext>
+              </p:extLst>
+            </p:nvPr>
+          </p:nvSpPr>
+          <p:spPr bwMode="gray">
+            <a:xfrm>
+              <a:off x="0" y="1587"/>
+              <a:ext cx="12192000" cy="6856413"/>
+            </a:xfrm>
+            <a:custGeom>
+              <a:avLst/>
+              <a:gdLst/>
+              <a:ahLst/>
+              <a:cxnLst/>
+              <a:rect l="0" t="0" r="r" b="b"/>
+              <a:pathLst>
+                <a:path w="15356" h="8638">
+                  <a:moveTo>
+                    <a:pt x="0" y="0"/>
+                  </a:moveTo>
+                  <a:lnTo>
+                    <a:pt x="0" y="8638"/>
+                  </a:lnTo>
+                  <a:lnTo>
+                    <a:pt x="15356" y="8638"/>
+                  </a:lnTo>
+                  <a:lnTo>
+                    <a:pt x="15356" y="0"/>
+                  </a:lnTo>
+                  <a:lnTo>
+                    <a:pt x="0" y="0"/>
+                  </a:lnTo>
+                  <a:close/>
+                  <a:moveTo>
+                    <a:pt x="14748" y="8038"/>
+                  </a:moveTo>
+                  <a:lnTo>
+                    <a:pt x="600" y="8038"/>
+                  </a:lnTo>
+                  <a:lnTo>
+                    <a:pt x="600" y="592"/>
+                  </a:lnTo>
+                  <a:lnTo>
+                    <a:pt x="14748" y="592"/>
+                  </a:lnTo>
+                  <a:lnTo>
+                    <a:pt x="14748" y="8038"/>
+                  </a:lnTo>
+                  <a:close/>
+                </a:path>
+              </a:pathLst>
+            </a:custGeom>
+            <a:solidFill>
+              <a:schemeClr val="tx1"/>
+            </a:solidFill>
+            <a:ln>
+              <a:noFill/>
+            </a:ln>
+          </p:spPr>
+        </p:sp>
+      </p:grpSp>
+      <p:sp>
+        <p:nvSpPr>
+          <p:cNvPr id="2" name="Title 1">
+            <a:extLst>
+              <a:ext uri="{FF2B5EF4-FFF2-40B4-BE49-F238E27FC236}">
+                <a16:creationId xmlns:a16="http://schemas.microsoft.com/office/drawing/2014/main" id="{EAB7F322-F911-B749-8FAD-942CFC80F40D}"/>
+              </a:ext>
+            </a:extLst>
+          </p:cNvPr>
+          <p:cNvSpPr>
+            <a:spLocks noGrp="1"/>
+          </p:cNvSpPr>
+          <p:nvPr>
+            <p:ph type="title"/>
+          </p:nvPr>
+        </p:nvSpPr>
+        <p:spPr>
+          <a:xfrm>
+            <a:off x="836247" y="1085549"/>
+            <a:ext cx="3430947" cy="4686903"/>
+          </a:xfrm>
+        </p:spPr>
+        <p:txBody>
+          <a:bodyPr anchor="ctr">
+            <a:normAutofit/>
+          </a:bodyPr>
+          <a:lstStyle/>
+          <a:p>
+            <a:pPr algn="r"/>
+            <a:r>
+              <a:rPr lang="en-US">
+                <a:solidFill>
+                  <a:schemeClr val="tx1"/>
+                </a:solidFill>
+              </a:rPr>
+              <a:t>Further Analysis to Improve Outcomes</a:t>
+            </a:r>
+          </a:p>
+        </p:txBody>
+      </p:sp>
+      <p:cxnSp>
+        <p:nvCxnSpPr>
+          <p:cNvPr id="14" name="Straight Connector 13">
+            <a:extLst>
+              <a:ext uri="{FF2B5EF4-FFF2-40B4-BE49-F238E27FC236}">
+                <a16:creationId xmlns:a16="http://schemas.microsoft.com/office/drawing/2014/main" id="{789E20C7-BB50-4317-93C7-90C8ED80B275}"/>
+              </a:ext>
+              <a:ext uri="{C183D7F6-B498-43B3-948B-1728B52AA6E4}">
+                <adec:decorative xmlns:adec="http://schemas.microsoft.com/office/drawing/2017/decorative" val="1"/>
+              </a:ext>
+            </a:extLst>
+          </p:cNvPr>
+          <p:cNvCxnSpPr>
+            <a:cxnSpLocks noGrp="1" noRot="1" noChangeAspect="1" noMove="1" noResize="1" noEditPoints="1" noAdjustHandles="1" noChangeArrowheads="1" noChangeShapeType="1"/>
+          </p:cNvCxnSpPr>
+          <p:nvPr>
+            <p:extLst>
+              <p:ext uri="{386F3935-93C4-4BCD-93E2-E3B085C9AB24}">
+                <p16:designElem xmlns:p16="http://schemas.microsoft.com/office/powerpoint/2015/main" val="1"/>
+              </p:ext>
+            </p:extLst>
+          </p:nvPr>
+        </p:nvCxnSpPr>
+        <p:spPr>
+          <a:xfrm>
+            <a:off x="4654296" y="1930986"/>
+            <a:ext cx="0" cy="3200400"/>
+          </a:xfrm>
+          <a:prstGeom prst="line">
+            <a:avLst/>
+          </a:prstGeom>
+          <a:ln w="15875" cap="sq">
+            <a:solidFill>
+              <a:schemeClr val="tx1"/>
+            </a:solidFill>
+            <a:miter lim="800000"/>
+          </a:ln>
+        </p:spPr>
+        <p:style>
+          <a:lnRef idx="1">
+            <a:schemeClr val="accent1"/>
+          </a:lnRef>
+          <a:fillRef idx="0">
+            <a:schemeClr val="accent1"/>
+          </a:fillRef>
+          <a:effectRef idx="0">
+            <a:schemeClr val="accent1"/>
+          </a:effectRef>
+          <a:fontRef idx="minor">
+            <a:schemeClr val="tx1"/>
+          </a:fontRef>
+        </p:style>
+      </p:cxnSp>
+      <p:sp>
+        <p:nvSpPr>
+          <p:cNvPr id="3" name="Content Placeholder 2">
+            <a:extLst>
+              <a:ext uri="{FF2B5EF4-FFF2-40B4-BE49-F238E27FC236}">
+                <a16:creationId xmlns:a16="http://schemas.microsoft.com/office/drawing/2014/main" id="{59ABB5F7-8345-AA42-8076-EA23BFC1B08E}"/>
+              </a:ext>
+            </a:extLst>
+          </p:cNvPr>
+          <p:cNvSpPr>
+            <a:spLocks noGrp="1"/>
+          </p:cNvSpPr>
+          <p:nvPr>
+            <p:ph idx="1"/>
+          </p:nvPr>
+        </p:nvSpPr>
+        <p:spPr>
+          <a:xfrm>
+            <a:off x="5041399" y="1085549"/>
+            <a:ext cx="5579707" cy="4686903"/>
+          </a:xfrm>
+        </p:spPr>
+        <p:txBody>
+          <a:bodyPr anchor="ctr">
+            <a:normAutofit fontScale="85000" lnSpcReduction="10000"/>
+          </a:bodyPr>
+          <a:lstStyle/>
+          <a:p>
+            <a:r>
+              <a:rPr lang="en-US" sz="1700" dirty="0">
+                <a:solidFill>
+                  <a:schemeClr val="tx1"/>
+                </a:solidFill>
+              </a:rPr>
+              <a:t>Start Up Tech Company Analysis similar to the Big Tech analysis, in order to ensure a diverse group is reached</a:t>
+            </a:r>
+          </a:p>
+          <a:p>
+            <a:r>
+              <a:rPr lang="en-US" sz="1700" dirty="0">
+                <a:solidFill>
+                  <a:schemeClr val="tx1"/>
+                </a:solidFill>
+              </a:rPr>
+              <a:t>Further Data Segmentation</a:t>
+            </a:r>
+          </a:p>
+          <a:p>
+            <a:pPr lvl="1"/>
+            <a:r>
+              <a:rPr lang="en-US" sz="1700" dirty="0">
+                <a:solidFill>
+                  <a:schemeClr val="tx1"/>
+                </a:solidFill>
+              </a:rPr>
+              <a:t>Segment the data into time intervals of am, pm and lunch intervals to the traffic patterns to further fine tune high traffic times</a:t>
+            </a:r>
+          </a:p>
+          <a:p>
+            <a:pPr lvl="1"/>
+            <a:r>
+              <a:rPr lang="en-US" sz="1700" dirty="0">
+                <a:solidFill>
+                  <a:schemeClr val="tx1"/>
+                </a:solidFill>
+              </a:rPr>
+              <a:t>Days/Weeks/Months - Include graphs for days of the week, weeks of the month and months of the year to determine traffic peaks and valleys</a:t>
+            </a:r>
+          </a:p>
+          <a:p>
+            <a:r>
+              <a:rPr lang="en-US" sz="1700" dirty="0">
+                <a:solidFill>
+                  <a:schemeClr val="tx1"/>
+                </a:solidFill>
+              </a:rPr>
+              <a:t>Additional Data Sources</a:t>
+            </a:r>
+          </a:p>
+          <a:p>
+            <a:pPr lvl="1"/>
+            <a:r>
+              <a:rPr lang="en-US" sz="1700" dirty="0">
+                <a:solidFill>
+                  <a:schemeClr val="tx1"/>
+                </a:solidFill>
+              </a:rPr>
+              <a:t>Commercial Real Estate Data, connect to MTA data for easier updates for use in </a:t>
+            </a:r>
+            <a:r>
+              <a:rPr lang="en-US" sz="1700" dirty="0" err="1">
+                <a:solidFill>
+                  <a:schemeClr val="tx1"/>
+                </a:solidFill>
+              </a:rPr>
+              <a:t>futuer</a:t>
+            </a:r>
+            <a:r>
+              <a:rPr lang="en-US" sz="1700" dirty="0">
+                <a:solidFill>
+                  <a:schemeClr val="tx1"/>
+                </a:solidFill>
+              </a:rPr>
+              <a:t> WTWY event planning</a:t>
+            </a:r>
+          </a:p>
+          <a:p>
+            <a:pPr lvl="1"/>
+            <a:r>
+              <a:rPr lang="en-US" sz="1700" dirty="0">
+                <a:solidFill>
+                  <a:schemeClr val="tx1"/>
+                </a:solidFill>
+              </a:rPr>
+              <a:t>Mapping software to improve proximity of station entrances to tech companies</a:t>
+            </a:r>
+          </a:p>
+          <a:p>
+            <a:pPr lvl="1"/>
+            <a:r>
+              <a:rPr lang="en-US" sz="1700" dirty="0">
+                <a:solidFill>
+                  <a:schemeClr val="tx1"/>
+                </a:solidFill>
+              </a:rPr>
+              <a:t>WTWY membership list – compare with Big Tech and Start up lists to see where more awareness is and is needed</a:t>
+            </a:r>
+          </a:p>
+        </p:txBody>
+      </p:sp>
+    </p:spTree>
+    <p:extLst>
+      <p:ext uri="{BB962C8B-B14F-4D97-AF65-F5344CB8AC3E}">
+        <p14:creationId xmlns:p14="http://schemas.microsoft.com/office/powerpoint/2010/main" val="2091219446"/>
+      </p:ext>
+    </p:extLst>
+  </p:cSld>
+  <p:clrMapOvr>
+    <a:overrideClrMapping bg1="dk1" tx1="lt1" bg2="dk2" tx2="lt2" accent1="accent1" accent2="accent2" accent3="accent3" accent4="accent4" accent5="accent5" accent6="accent6" hlink="hlink" folHlink="folHlink"/>
+  </p:clrMapOvr>
+</p:sld>
+</file>
+
+<file path=ppt/slides/slide11.xml><?xml version="1.0" encoding="utf-8"?>
+<p:sld xmlns:a="http://schemas.openxmlformats.org/drawingml/2006/main" xmlns:r="http://schemas.openxmlformats.org/officeDocument/2006/relationships" xmlns:p="http://schemas.openxmlformats.org/presentationml/2006/main">
+  <p:cSld>
+    <p:bg>
+      <p:bgPr>
         <a:solidFill>
           <a:schemeClr val="bg1"/>
         </a:solidFill>
@@ -14324,7 +14823,7 @@
 </p:sld>
 </file>
 
-<file path=ppt/slides/slide11.xml><?xml version="1.0" encoding="utf-8"?>
+<file path=ppt/slides/slide12.xml><?xml version="1.0" encoding="utf-8"?>
 <p:sld xmlns:a="http://schemas.openxmlformats.org/drawingml/2006/main" xmlns:r="http://schemas.openxmlformats.org/officeDocument/2006/relationships" xmlns:p="http://schemas.openxmlformats.org/presentationml/2006/main">
   <p:cSld>
     <p:bg>
@@ -17791,12 +18290,24 @@
                     <a:p>
                       <a:pPr algn="l" fontAlgn="b"/>
                       <a:r>
-                        <a:rPr lang="en-US" sz="500" u="none" strike="noStrike">
+                        <a:rPr lang="en-US" sz="500" u="none" strike="noStrike" dirty="0">
                           <a:effectLst/>
                         </a:rPr>
-                        <a:t>81st Museum of Natual History</a:t>
+                        <a:t>81st Museum of </a:t>
                       </a:r>
-                      <a:endParaRPr lang="en-US" sz="500" b="0" i="0" u="none" strike="noStrike">
+                      <a:r>
+                        <a:rPr lang="en-US" sz="500" u="none" strike="noStrike" dirty="0" err="1">
+                          <a:effectLst/>
+                        </a:rPr>
+                        <a:t>Natual</a:t>
+                      </a:r>
+                      <a:r>
+                        <a:rPr lang="en-US" sz="500" u="none" strike="noStrike" dirty="0">
+                          <a:effectLst/>
+                        </a:rPr>
+                        <a:t> History</a:t>
+                      </a:r>
+                      <a:endParaRPr lang="en-US" sz="500" b="0" i="0" u="none" strike="noStrike" dirty="0">
                         <a:solidFill>
                           <a:srgbClr val="000000"/>
                         </a:solidFill>
@@ -18551,12 +19062,18 @@
                     <a:p>
                       <a:pPr algn="l" fontAlgn="b"/>
                       <a:r>
-                        <a:rPr lang="en-US" sz="500" u="none" strike="noStrike">
+                        <a:rPr lang="en-US" sz="500" u="none" strike="noStrike" dirty="0">
                           <a:effectLst/>
                         </a:rPr>
-                        <a:t>Times Sq 42nd st</a:t>
+                        <a:t>Times Sq 42nd </a:t>
                       </a:r>
-                      <a:endParaRPr lang="en-US" sz="500" b="0" i="0" u="none" strike="noStrike">
+                      <a:r>
+                        <a:rPr lang="en-US" sz="500" u="none" strike="noStrike" dirty="0" err="1">
+                          <a:effectLst/>
+                        </a:rPr>
+                        <a:t>st</a:t>
+                      </a:r>
+                      <a:endParaRPr lang="en-US" sz="500" b="0" i="0" u="none" strike="noStrike" dirty="0">
                         <a:solidFill>
                           <a:srgbClr val="000000"/>
                         </a:solidFill>
@@ -20030,185 +20547,6 @@
           </a:p>
         </p:txBody>
       </p:sp>
-      <p:pic>
-        <p:nvPicPr>
-          <p:cNvPr id="3" name="Picture 2">
-            <a:extLst>
-              <a:ext uri="{FF2B5EF4-FFF2-40B4-BE49-F238E27FC236}">
-                <a16:creationId xmlns:a16="http://schemas.microsoft.com/office/drawing/2014/main" id="{F6A3E1D7-0910-8448-9D8B-5F75567F2C7E}"/>
-              </a:ext>
-            </a:extLst>
-          </p:cNvPr>
-          <p:cNvPicPr>
-            <a:picLocks noChangeAspect="1"/>
-          </p:cNvPicPr>
-          <p:nvPr/>
-        </p:nvPicPr>
-        <p:blipFill rotWithShape="1">
-          <a:blip r:embed="rId2"/>
-          <a:srcRect l="9729" r="9542"/>
-          <a:stretch/>
-        </p:blipFill>
-        <p:spPr>
-          <a:xfrm>
-            <a:off x="5120117" y="461681"/>
-            <a:ext cx="6585549" cy="5934638"/>
-          </a:xfrm>
-          <a:custGeom>
-            <a:avLst/>
-            <a:gdLst/>
-            <a:ahLst/>
-            <a:cxnLst/>
-            <a:rect l="l" t="t" r="r" b="b"/>
-            <a:pathLst>
-              <a:path w="6585549" h="5934638">
-                <a:moveTo>
-                  <a:pt x="225406" y="0"/>
-                </a:moveTo>
-                <a:lnTo>
-                  <a:pt x="6585549" y="0"/>
-                </a:lnTo>
-                <a:lnTo>
-                  <a:pt x="6585549" y="5934638"/>
-                </a:lnTo>
-                <a:lnTo>
-                  <a:pt x="226600" y="5934638"/>
-                </a:lnTo>
-                <a:lnTo>
-                  <a:pt x="214529" y="5856373"/>
-                </a:lnTo>
-                <a:lnTo>
-                  <a:pt x="203238" y="5780097"/>
-                </a:lnTo>
-                <a:lnTo>
-                  <a:pt x="191320" y="5689292"/>
-                </a:lnTo>
-                <a:lnTo>
-                  <a:pt x="177049" y="5581536"/>
-                </a:lnTo>
-                <a:lnTo>
-                  <a:pt x="161995" y="5462279"/>
-                </a:lnTo>
-                <a:lnTo>
-                  <a:pt x="146156" y="5327888"/>
-                </a:lnTo>
-                <a:lnTo>
-                  <a:pt x="129376" y="5181389"/>
-                </a:lnTo>
-                <a:lnTo>
-                  <a:pt x="112596" y="5022177"/>
-                </a:lnTo>
-                <a:lnTo>
-                  <a:pt x="95503" y="4852675"/>
-                </a:lnTo>
-                <a:lnTo>
-                  <a:pt x="79664" y="4669854"/>
-                </a:lnTo>
-                <a:lnTo>
-                  <a:pt x="64453" y="4478558"/>
-                </a:lnTo>
-                <a:lnTo>
-                  <a:pt x="50652" y="4276365"/>
-                </a:lnTo>
-                <a:lnTo>
-                  <a:pt x="37480" y="4065697"/>
-                </a:lnTo>
-                <a:lnTo>
-                  <a:pt x="25091" y="3845949"/>
-                </a:lnTo>
-                <a:lnTo>
-                  <a:pt x="20700" y="3733351"/>
-                </a:lnTo>
-                <a:lnTo>
-                  <a:pt x="15838" y="3618331"/>
-                </a:lnTo>
-                <a:lnTo>
-                  <a:pt x="11291" y="3501495"/>
-                </a:lnTo>
-                <a:lnTo>
-                  <a:pt x="8311" y="3384054"/>
-                </a:lnTo>
-                <a:lnTo>
-                  <a:pt x="5645" y="3264191"/>
-                </a:lnTo>
-                <a:lnTo>
-                  <a:pt x="2822" y="3143118"/>
-                </a:lnTo>
-                <a:lnTo>
-                  <a:pt x="941" y="3019623"/>
-                </a:lnTo>
-                <a:lnTo>
-                  <a:pt x="941" y="2894918"/>
-                </a:lnTo>
-                <a:lnTo>
-                  <a:pt x="0" y="2769001"/>
-                </a:lnTo>
-                <a:lnTo>
-                  <a:pt x="941" y="2641874"/>
-                </a:lnTo>
-                <a:lnTo>
-                  <a:pt x="2822" y="2512931"/>
-                </a:lnTo>
-                <a:lnTo>
-                  <a:pt x="4547" y="2383988"/>
-                </a:lnTo>
-                <a:lnTo>
-                  <a:pt x="8311" y="2253229"/>
-                </a:lnTo>
-                <a:lnTo>
-                  <a:pt x="12232" y="2121259"/>
-                </a:lnTo>
-                <a:lnTo>
-                  <a:pt x="16779" y="1989289"/>
-                </a:lnTo>
-                <a:lnTo>
-                  <a:pt x="23209" y="1856108"/>
-                </a:lnTo>
-                <a:lnTo>
-                  <a:pt x="30893" y="1721716"/>
-                </a:lnTo>
-                <a:lnTo>
-                  <a:pt x="38264" y="1586720"/>
-                </a:lnTo>
-                <a:lnTo>
-                  <a:pt x="47673" y="1451723"/>
-                </a:lnTo>
-                <a:lnTo>
-                  <a:pt x="58964" y="1314910"/>
-                </a:lnTo>
-                <a:lnTo>
-                  <a:pt x="70255" y="1179913"/>
-                </a:lnTo>
-                <a:lnTo>
-                  <a:pt x="83271" y="1042495"/>
-                </a:lnTo>
-                <a:lnTo>
-                  <a:pt x="97542" y="904471"/>
-                </a:lnTo>
-                <a:lnTo>
-                  <a:pt x="112596" y="768263"/>
-                </a:lnTo>
-                <a:lnTo>
-                  <a:pt x="130160" y="630240"/>
-                </a:lnTo>
-                <a:lnTo>
-                  <a:pt x="148978" y="492821"/>
-                </a:lnTo>
-                <a:lnTo>
-                  <a:pt x="167640" y="354798"/>
-                </a:lnTo>
-                <a:lnTo>
-                  <a:pt x="189438" y="217380"/>
-                </a:lnTo>
-                <a:lnTo>
-                  <a:pt x="211706" y="80567"/>
-                </a:lnTo>
-                <a:close/>
-              </a:path>
-            </a:pathLst>
-          </a:custGeom>
-        </p:spPr>
-      </p:pic>
       <p:sp>
         <p:nvSpPr>
           <p:cNvPr id="194" name="Freeform 5">
@@ -20373,6 +20711,36 @@
           </a:ln>
         </p:spPr>
       </p:sp>
+      <p:pic>
+        <p:nvPicPr>
+          <p:cNvPr id="6" name="Picture 5">
+            <a:extLst>
+              <a:ext uri="{FF2B5EF4-FFF2-40B4-BE49-F238E27FC236}">
+                <a16:creationId xmlns:a16="http://schemas.microsoft.com/office/drawing/2014/main" id="{63A8DC1E-6A9F-7B49-AADC-6FF348D90594}"/>
+              </a:ext>
+            </a:extLst>
+          </p:cNvPr>
+          <p:cNvPicPr>
+            <a:picLocks noChangeAspect="1"/>
+          </p:cNvPicPr>
+          <p:nvPr/>
+        </p:nvPicPr>
+        <p:blipFill>
+          <a:blip r:embed="rId2"/>
+          <a:stretch>
+            <a:fillRect/>
+          </a:stretch>
+        </p:blipFill>
+        <p:spPr>
+          <a:xfrm>
+            <a:off x="4633783" y="838200"/>
+            <a:ext cx="7360438" cy="5558119"/>
+          </a:xfrm>
+          <a:prstGeom prst="rect">
+            <a:avLst/>
+          </a:prstGeom>
+        </p:spPr>
+      </p:pic>
     </p:spTree>
     <p:extLst>
       <p:ext uri="{BB962C8B-B14F-4D97-AF65-F5344CB8AC3E}">
@@ -20588,27 +20956,54 @@
         </p:spPr>
         <p:txBody>
           <a:bodyPr>
-            <a:normAutofit/>
+            <a:normAutofit lnSpcReduction="10000"/>
           </a:bodyPr>
           <a:lstStyle/>
           <a:p>
             <a:r>
-              <a:rPr lang="en-US"/>
-              <a:t>Yahoo Finance article by Sarah Paynter and Krystal Hu from January 5, 2020:</a:t>
-            </a:r>
-          </a:p>
-          <a:p>
-            <a:r>
-              <a:rPr lang="en-US" i="1"/>
+              <a:rPr lang="en-US" i="1" dirty="0"/>
               <a:t>Why America’s tech giants are flocking to one part of NYC </a:t>
             </a:r>
           </a:p>
           <a:p>
             <a:r>
-              <a:rPr lang="en-US" i="1"/>
+              <a:rPr lang="en-US" i="1" dirty="0"/>
               <a:t>Shows a concentration of tech workers in Manhattan</a:t>
             </a:r>
-            <a:endParaRPr lang="en-US"/>
+          </a:p>
+          <a:p>
+            <a:r>
+              <a:rPr lang="en-US" i="1" dirty="0">
+                <a:solidFill>
+                  <a:schemeClr val="tx1"/>
+                </a:solidFill>
+              </a:rPr>
+              <a:t>Layer on to determine Street Team Placement Recommendations for Big Tech</a:t>
+            </a:r>
+            <a:br>
+              <a:rPr lang="en-US" i="1" dirty="0">
+                <a:solidFill>
+                  <a:schemeClr val="tx1"/>
+                </a:solidFill>
+              </a:rPr>
+            </a:br>
+            <a:r>
+              <a:rPr lang="en-US" i="1" dirty="0">
+                <a:solidFill>
+                  <a:schemeClr val="tx1"/>
+                </a:solidFill>
+              </a:rPr>
+              <a:t>In Priority order</a:t>
+            </a:r>
+          </a:p>
+          <a:p>
+            <a:r>
+              <a:rPr lang="en-US" i="1" dirty="0"/>
+              <a:t>Yahoo Finance article by Sarah Paynter and Krystal Hu from January 5, 2020:</a:t>
+            </a:r>
+          </a:p>
+          <a:p>
+            <a:endParaRPr lang="en-US" i="1" dirty="0"/>
           </a:p>
         </p:txBody>
       </p:sp>
@@ -21086,14 +21481,6 @@
 <file path=ppt/slides/slide7.xml><?xml version="1.0" encoding="utf-8"?>
 <p:sld xmlns:a="http://schemas.openxmlformats.org/drawingml/2006/main" xmlns:r="http://schemas.openxmlformats.org/officeDocument/2006/relationships" xmlns:p="http://schemas.openxmlformats.org/presentationml/2006/main">
   <p:cSld>
-    <p:bg>
-      <p:bgPr>
-        <a:solidFill>
-          <a:schemeClr val="bg1"/>
-        </a:solidFill>
-        <a:effectLst/>
-      </p:bgPr>
-    </p:bg>
     <p:spTree>
       <p:nvGrpSpPr>
         <p:cNvPr id="1" name=""/>
@@ -21108,300 +21495,12 @@
           <a:chExt cx="0" cy="0"/>
         </a:xfrm>
       </p:grpSpPr>
-      <p:sp useBgFill="1">
-        <p:nvSpPr>
-          <p:cNvPr id="8" name="Rectangle 7">
-            <a:extLst>
-              <a:ext uri="{FF2B5EF4-FFF2-40B4-BE49-F238E27FC236}">
-                <a16:creationId xmlns:a16="http://schemas.microsoft.com/office/drawing/2014/main" id="{B219AE65-9B94-44EA-BEF3-EF4BFA169C81}"/>
-              </a:ext>
-              <a:ext uri="{C183D7F6-B498-43B3-948B-1728B52AA6E4}">
-                <adec:decorative xmlns:adec="http://schemas.microsoft.com/office/drawing/2017/decorative" val="1"/>
-              </a:ext>
-            </a:extLst>
-          </p:cNvPr>
-          <p:cNvSpPr>
-            <a:spLocks noGrp="1" noRot="1" noChangeAspect="1" noMove="1" noResize="1" noEditPoints="1" noAdjustHandles="1" noChangeArrowheads="1" noChangeShapeType="1" noTextEdit="1"/>
-          </p:cNvSpPr>
-          <p:nvPr>
-            <p:extLst>
-              <p:ext uri="{386F3935-93C4-4BCD-93E2-E3B085C9AB24}">
-                <p16:designElem xmlns:p16="http://schemas.microsoft.com/office/powerpoint/2015/main" val="1"/>
-              </p:ext>
-            </p:extLst>
-          </p:nvPr>
-        </p:nvSpPr>
-        <p:spPr>
-          <a:xfrm>
-            <a:off x="0" y="0"/>
-            <a:ext cx="12192000" cy="6858000"/>
-          </a:xfrm>
-          <a:prstGeom prst="rect">
-            <a:avLst/>
-          </a:prstGeom>
-          <a:ln>
-            <a:noFill/>
-          </a:ln>
-        </p:spPr>
-        <p:style>
-          <a:lnRef idx="2">
-            <a:schemeClr val="accent1">
-              <a:shade val="50000"/>
-            </a:schemeClr>
-          </a:lnRef>
-          <a:fillRef idx="1">
-            <a:schemeClr val="accent1"/>
-          </a:fillRef>
-          <a:effectRef idx="0">
-            <a:schemeClr val="accent1"/>
-          </a:effectRef>
-          <a:fontRef idx="minor">
-            <a:schemeClr val="lt1"/>
-          </a:fontRef>
-        </p:style>
-        <p:txBody>
-          <a:bodyPr rtlCol="0" anchor="ctr"/>
-          <a:lstStyle/>
-          <a:p>
-            <a:pPr algn="ctr"/>
-            <a:endParaRPr lang="en-US"/>
-          </a:p>
-        </p:txBody>
-      </p:sp>
-      <p:sp>
-        <p:nvSpPr>
-          <p:cNvPr id="10" name="Rectangle 9">
-            <a:extLst>
-              <a:ext uri="{FF2B5EF4-FFF2-40B4-BE49-F238E27FC236}">
-                <a16:creationId xmlns:a16="http://schemas.microsoft.com/office/drawing/2014/main" id="{F0C81A57-9CD5-461B-8FFE-4A8CB6CFBE01}"/>
-              </a:ext>
-              <a:ext uri="{C183D7F6-B498-43B3-948B-1728B52AA6E4}">
-                <adec:decorative xmlns:adec="http://schemas.microsoft.com/office/drawing/2017/decorative" val="1"/>
-              </a:ext>
-            </a:extLst>
-          </p:cNvPr>
-          <p:cNvSpPr>
-            <a:spLocks noGrp="1" noRot="1" noChangeAspect="1" noMove="1" noResize="1" noEditPoints="1" noAdjustHandles="1" noChangeArrowheads="1" noChangeShapeType="1" noTextEdit="1"/>
-          </p:cNvSpPr>
-          <p:nvPr>
-            <p:extLst>
-              <p:ext uri="{386F3935-93C4-4BCD-93E2-E3B085C9AB24}">
-                <p16:designElem xmlns:p16="http://schemas.microsoft.com/office/powerpoint/2015/main" val="1"/>
-              </p:ext>
-            </p:extLst>
-          </p:nvPr>
-        </p:nvSpPr>
-        <p:spPr>
-          <a:xfrm>
-            <a:off x="11017539" y="467397"/>
-            <a:ext cx="695829" cy="5919116"/>
-          </a:xfrm>
-          <a:prstGeom prst="rect">
-            <a:avLst/>
-          </a:prstGeom>
-          <a:solidFill>
-            <a:schemeClr val="accent1"/>
-          </a:solidFill>
-          <a:ln>
-            <a:noFill/>
-          </a:ln>
-          <a:effectLst/>
-        </p:spPr>
-        <p:style>
-          <a:lnRef idx="1">
-            <a:schemeClr val="accent1"/>
-          </a:lnRef>
-          <a:fillRef idx="3">
-            <a:schemeClr val="accent1"/>
-          </a:fillRef>
-          <a:effectRef idx="2">
-            <a:schemeClr val="accent1"/>
-          </a:effectRef>
-          <a:fontRef idx="minor">
-            <a:schemeClr val="lt1"/>
-          </a:fontRef>
-        </p:style>
-      </p:sp>
-      <p:grpSp>
-        <p:nvGrpSpPr>
-          <p:cNvPr id="12" name="Group 11">
-            <a:extLst>
-              <a:ext uri="{FF2B5EF4-FFF2-40B4-BE49-F238E27FC236}">
-                <a16:creationId xmlns:a16="http://schemas.microsoft.com/office/drawing/2014/main" id="{3086C462-37F4-494D-8292-CCB95221CC1A}"/>
-              </a:ext>
-              <a:ext uri="{C183D7F6-B498-43B3-948B-1728B52AA6E4}">
-                <adec:decorative xmlns:adec="http://schemas.microsoft.com/office/drawing/2017/decorative" val="1"/>
-              </a:ext>
-            </a:extLst>
-          </p:cNvPr>
-          <p:cNvGrpSpPr>
-            <a:grpSpLocks noGrp="1" noUngrp="1" noRot="1" noChangeAspect="1" noMove="1" noResize="1"/>
-          </p:cNvGrpSpPr>
-          <p:nvPr>
-            <p:extLst>
-              <p:ext uri="{386F3935-93C4-4BCD-93E2-E3B085C9AB24}">
-                <p16:designElem xmlns:p16="http://schemas.microsoft.com/office/powerpoint/2015/main" val="1"/>
-              </p:ext>
-            </p:extLst>
-          </p:nvPr>
-        </p:nvGrpSpPr>
-        <p:grpSpPr>
-          <a:xfrm>
-            <a:off x="0" y="0"/>
-            <a:ext cx="12192000" cy="6858000"/>
-            <a:chOff x="0" y="0"/>
-            <a:chExt cx="12192000" cy="6858000"/>
-          </a:xfrm>
-          <a:solidFill>
-            <a:srgbClr val="FFFFFF"/>
-          </a:solidFill>
-        </p:grpSpPr>
-        <p:sp>
-          <p:nvSpPr>
-            <p:cNvPr id="13" name="Rectangle 12">
-              <a:extLst>
-                <a:ext uri="{FF2B5EF4-FFF2-40B4-BE49-F238E27FC236}">
-                  <a16:creationId xmlns:a16="http://schemas.microsoft.com/office/drawing/2014/main" id="{2C7D2D64-353F-4802-AA48-A70CE6020B93}"/>
-                </a:ext>
-                <a:ext uri="{C183D7F6-B498-43B3-948B-1728B52AA6E4}">
-                  <adec:decorative xmlns:adec="http://schemas.microsoft.com/office/drawing/2017/decorative" val="1"/>
-                </a:ext>
-              </a:extLst>
-            </p:cNvPr>
-            <p:cNvSpPr/>
-            <p:nvPr>
-              <p:extLst>
-                <p:ext uri="{386F3935-93C4-4BCD-93E2-E3B085C9AB24}">
-                  <p16:designElem xmlns:p16="http://schemas.microsoft.com/office/powerpoint/2015/main" val="1"/>
-                </p:ext>
-              </p:extLst>
-            </p:nvPr>
-          </p:nvSpPr>
-          <p:spPr>
-            <a:xfrm>
-              <a:off x="0" y="0"/>
-              <a:ext cx="12192000" cy="6858000"/>
-            </a:xfrm>
-            <a:prstGeom prst="rect">
-              <a:avLst/>
-            </a:prstGeom>
-            <a:noFill/>
-            <a:ln>
-              <a:noFill/>
-            </a:ln>
-          </p:spPr>
-          <p:style>
-            <a:lnRef idx="2">
-              <a:schemeClr val="accent1">
-                <a:shade val="50000"/>
-              </a:schemeClr>
-            </a:lnRef>
-            <a:fillRef idx="1">
-              <a:schemeClr val="accent1"/>
-            </a:fillRef>
-            <a:effectRef idx="0">
-              <a:schemeClr val="accent1"/>
-            </a:effectRef>
-            <a:fontRef idx="minor">
-              <a:schemeClr val="lt1"/>
-            </a:fontRef>
-          </p:style>
-        </p:sp>
-        <p:sp>
-          <p:nvSpPr>
-            <p:cNvPr id="14" name="Freeform 5">
-              <a:extLst>
-                <a:ext uri="{FF2B5EF4-FFF2-40B4-BE49-F238E27FC236}">
-                  <a16:creationId xmlns:a16="http://schemas.microsoft.com/office/drawing/2014/main" id="{30A6328F-CAA3-4052-BF4C-14BD47706E65}"/>
-                </a:ext>
-                <a:ext uri="{C183D7F6-B498-43B3-948B-1728B52AA6E4}">
-                  <adec:decorative xmlns:adec="http://schemas.microsoft.com/office/drawing/2017/decorative" val="1"/>
-                </a:ext>
-              </a:extLst>
-            </p:cNvPr>
-            <p:cNvSpPr>
-              <a:spLocks noEditPoints="1"/>
-            </p:cNvSpPr>
-            <p:nvPr>
-              <p:extLst>
-                <p:ext uri="{386F3935-93C4-4BCD-93E2-E3B085C9AB24}">
-                  <p16:designElem xmlns:p16="http://schemas.microsoft.com/office/powerpoint/2015/main" val="1"/>
-                </p:ext>
-              </p:extLst>
-            </p:nvPr>
-          </p:nvSpPr>
-          <p:spPr bwMode="gray">
-            <a:xfrm>
-              <a:off x="0" y="1587"/>
-              <a:ext cx="12192000" cy="6856413"/>
-            </a:xfrm>
-            <a:custGeom>
-              <a:avLst/>
-              <a:gdLst/>
-              <a:ahLst/>
-              <a:cxnLst/>
-              <a:rect l="0" t="0" r="r" b="b"/>
-              <a:pathLst>
-                <a:path w="15356" h="8638">
-                  <a:moveTo>
-                    <a:pt x="0" y="0"/>
-                  </a:moveTo>
-                  <a:lnTo>
-                    <a:pt x="0" y="8638"/>
-                  </a:lnTo>
-                  <a:lnTo>
-                    <a:pt x="15356" y="8638"/>
-                  </a:lnTo>
-                  <a:lnTo>
-                    <a:pt x="15356" y="0"/>
-                  </a:lnTo>
-                  <a:lnTo>
-                    <a:pt x="0" y="0"/>
-                  </a:lnTo>
-                  <a:close/>
-                  <a:moveTo>
-                    <a:pt x="14748" y="8038"/>
-                  </a:moveTo>
-                  <a:lnTo>
-                    <a:pt x="600" y="8038"/>
-                  </a:lnTo>
-                  <a:lnTo>
-                    <a:pt x="600" y="592"/>
-                  </a:lnTo>
-                  <a:lnTo>
-                    <a:pt x="14748" y="592"/>
-                  </a:lnTo>
-                  <a:lnTo>
-                    <a:pt x="14748" y="8038"/>
-                  </a:lnTo>
-                  <a:close/>
-                </a:path>
-              </a:pathLst>
-            </a:custGeom>
-            <a:ln>
-              <a:noFill/>
-            </a:ln>
-          </p:spPr>
-          <p:style>
-            <a:lnRef idx="0">
-              <a:scrgbClr r="0" g="0" b="0"/>
-            </a:lnRef>
-            <a:fillRef idx="1002">
-              <a:schemeClr val="dk2"/>
-            </a:fillRef>
-            <a:effectRef idx="0">
-              <a:scrgbClr r="0" g="0" b="0"/>
-            </a:effectRef>
-            <a:fontRef idx="major"/>
-          </p:style>
-        </p:sp>
-      </p:grpSp>
       <p:sp>
         <p:nvSpPr>
           <p:cNvPr id="2" name="Title 1">
             <a:extLst>
               <a:ext uri="{FF2B5EF4-FFF2-40B4-BE49-F238E27FC236}">
-                <a16:creationId xmlns:a16="http://schemas.microsoft.com/office/drawing/2014/main" id="{8551B769-BB9A-5F43-B285-1FE7F8F9D7F3}"/>
+                <a16:creationId xmlns:a16="http://schemas.microsoft.com/office/drawing/2014/main" id="{2228A7F5-281B-BF4E-8A09-63BD517F143C}"/>
               </a:ext>
             </a:extLst>
           </p:cNvPr>
@@ -21412,207 +21511,24 @@
             <p:ph type="title"/>
           </p:nvPr>
         </p:nvSpPr>
-        <p:spPr>
-          <a:xfrm>
-            <a:off x="1000372" y="1209957"/>
-            <a:ext cx="3034580" cy="4438087"/>
-          </a:xfrm>
-        </p:spPr>
+        <p:spPr/>
         <p:txBody>
-          <a:bodyPr anchor="ctr">
-            <a:normAutofit fontScale="90000"/>
-          </a:bodyPr>
+          <a:bodyPr/>
           <a:lstStyle/>
           <a:p>
-            <a:pPr algn="r"/>
             <a:r>
-              <a:rPr lang="en-US" sz="2200" dirty="0">
-                <a:solidFill>
-                  <a:schemeClr val="tx1"/>
-                </a:solidFill>
-              </a:rPr>
-              <a:t>Street Team Placement Recommendations</a:t>
-            </a:r>
-            <a:br>
-              <a:rPr lang="en-US" sz="2200" dirty="0">
-                <a:solidFill>
-                  <a:schemeClr val="tx1"/>
-                </a:solidFill>
-              </a:rPr>
-            </a:br>
-            <a:r>
-              <a:rPr lang="en-US" sz="2200" dirty="0">
-                <a:solidFill>
-                  <a:schemeClr val="tx1"/>
-                </a:solidFill>
-              </a:rPr>
-              <a:t>		for Big Tech</a:t>
-            </a:r>
-            <a:br>
-              <a:rPr lang="en-US" sz="2200" dirty="0">
-                <a:solidFill>
-                  <a:schemeClr val="tx1"/>
-                </a:solidFill>
-              </a:rPr>
-            </a:br>
-            <a:r>
-              <a:rPr lang="en-US" sz="2200" dirty="0">
-                <a:solidFill>
-                  <a:schemeClr val="tx1"/>
-                </a:solidFill>
-              </a:rPr>
-              <a:t> In Priority order</a:t>
-            </a:r>
-            <a:br>
-              <a:rPr lang="en-US" sz="2200" dirty="0">
-                <a:solidFill>
-                  <a:schemeClr val="tx1"/>
-                </a:solidFill>
-              </a:rPr>
-            </a:br>
-            <a:br>
-              <a:rPr lang="en-US" sz="2200" dirty="0">
-                <a:solidFill>
-                  <a:schemeClr val="tx1"/>
-                </a:solidFill>
-              </a:rPr>
-            </a:br>
-            <a:r>
-              <a:rPr lang="en-US" sz="2200" u="sng" dirty="0">
-                <a:solidFill>
-                  <a:schemeClr val="tx1"/>
-                </a:solidFill>
-              </a:rPr>
-              <a:t>15 Teams Total</a:t>
-            </a:r>
-            <a:br>
-              <a:rPr lang="en-US" sz="2200" dirty="0">
-                <a:solidFill>
-                  <a:schemeClr val="tx1"/>
-                </a:solidFill>
-              </a:rPr>
-            </a:br>
-            <a:br>
-              <a:rPr lang="en-US" sz="2200" dirty="0">
-                <a:solidFill>
-                  <a:schemeClr val="tx1"/>
-                </a:solidFill>
-              </a:rPr>
-            </a:br>
-            <a:r>
-              <a:rPr lang="en-US" sz="2200" dirty="0">
-                <a:solidFill>
-                  <a:schemeClr val="tx1"/>
-                </a:solidFill>
-              </a:rPr>
-              <a:t>3 teams per location for top 2 locations</a:t>
-            </a:r>
-            <a:br>
-              <a:rPr lang="en-US" sz="2200" dirty="0">
-                <a:solidFill>
-                  <a:schemeClr val="tx1"/>
-                </a:solidFill>
-              </a:rPr>
-            </a:br>
-            <a:br>
-              <a:rPr lang="en-US" sz="2200" dirty="0">
-                <a:solidFill>
-                  <a:schemeClr val="tx1"/>
-                </a:solidFill>
-              </a:rPr>
-            </a:br>
-            <a:r>
-              <a:rPr lang="en-US" sz="2200" dirty="0">
-                <a:solidFill>
-                  <a:schemeClr val="tx1"/>
-                </a:solidFill>
-              </a:rPr>
-              <a:t>2 team for next 3 busiest stations and Apple location</a:t>
-            </a:r>
-            <a:br>
-              <a:rPr lang="en-US" sz="2200" dirty="0">
-                <a:solidFill>
-                  <a:schemeClr val="tx1"/>
-                </a:solidFill>
-              </a:rPr>
-            </a:br>
-            <a:br>
-              <a:rPr lang="en-US" sz="2200" dirty="0">
-                <a:solidFill>
-                  <a:schemeClr val="tx1"/>
-                </a:solidFill>
-              </a:rPr>
-            </a:br>
-            <a:r>
-              <a:rPr lang="en-US" sz="2200" dirty="0">
-                <a:solidFill>
-                  <a:schemeClr val="tx1"/>
-                </a:solidFill>
-              </a:rPr>
-              <a:t>1 team for remaining 1 locations </a:t>
+              <a:rPr lang="en-US" dirty="0"/>
+              <a:t>Street Teams  MINIMUM for success = 5</a:t>
             </a:r>
           </a:p>
         </p:txBody>
       </p:sp>
-      <p:cxnSp>
-        <p:nvCxnSpPr>
-          <p:cNvPr id="16" name="Straight Connector 15">
-            <a:extLst>
-              <a:ext uri="{FF2B5EF4-FFF2-40B4-BE49-F238E27FC236}">
-                <a16:creationId xmlns:a16="http://schemas.microsoft.com/office/drawing/2014/main" id="{AD23B2CD-009B-425A-9616-1E1AD1D5AB46}"/>
-              </a:ext>
-              <a:ext uri="{C183D7F6-B498-43B3-948B-1728B52AA6E4}">
-                <adec:decorative xmlns:adec="http://schemas.microsoft.com/office/drawing/2017/decorative" val="1"/>
-              </a:ext>
-            </a:extLst>
-          </p:cNvPr>
-          <p:cNvCxnSpPr>
-            <a:cxnSpLocks noGrp="1" noRot="1" noChangeAspect="1" noMove="1" noResize="1" noEditPoints="1" noAdjustHandles="1" noChangeArrowheads="1" noChangeShapeType="1"/>
-          </p:cNvCxnSpPr>
-          <p:nvPr>
-            <p:extLst>
-              <p:ext uri="{386F3935-93C4-4BCD-93E2-E3B085C9AB24}">
-                <p16:designElem xmlns:p16="http://schemas.microsoft.com/office/powerpoint/2015/main" val="1"/>
-              </p:ext>
-            </p:extLst>
-          </p:nvPr>
-        </p:nvCxnSpPr>
-        <p:spPr>
-          <a:xfrm>
-            <a:off x="4356687" y="1930986"/>
-            <a:ext cx="0" cy="3200400"/>
-          </a:xfrm>
-          <a:prstGeom prst="line">
-            <a:avLst/>
-          </a:prstGeom>
-          <a:ln w="15875" cap="sq">
-            <a:solidFill>
-              <a:schemeClr val="tx2"/>
-            </a:solidFill>
-            <a:miter lim="800000"/>
-          </a:ln>
-        </p:spPr>
-        <p:style>
-          <a:lnRef idx="1">
-            <a:schemeClr val="accent1"/>
-          </a:lnRef>
-          <a:fillRef idx="0">
-            <a:schemeClr val="accent1"/>
-          </a:fillRef>
-          <a:effectRef idx="0">
-            <a:schemeClr val="accent1"/>
-          </a:effectRef>
-          <a:fontRef idx="minor">
-            <a:schemeClr val="tx1"/>
-          </a:fontRef>
-        </p:style>
-      </p:cxnSp>
       <p:sp>
         <p:nvSpPr>
           <p:cNvPr id="3" name="Content Placeholder 2">
             <a:extLst>
               <a:ext uri="{FF2B5EF4-FFF2-40B4-BE49-F238E27FC236}">
-                <a16:creationId xmlns:a16="http://schemas.microsoft.com/office/drawing/2014/main" id="{1EBA0C49-B28B-F54A-8737-7ED8A70425F0}"/>
+                <a16:creationId xmlns:a16="http://schemas.microsoft.com/office/drawing/2014/main" id="{5BB2BF85-9C56-154C-AD84-D949C69DA222}"/>
               </a:ext>
             </a:extLst>
           </p:cNvPr>
@@ -21623,31 +21539,12 @@
             <p:ph idx="1"/>
           </p:nvPr>
         </p:nvSpPr>
-        <p:spPr>
-          <a:xfrm>
-            <a:off x="4678424" y="951470"/>
-            <a:ext cx="5738321" cy="4847505"/>
-          </a:xfrm>
-        </p:spPr>
+        <p:spPr/>
         <p:txBody>
-          <a:bodyPr anchor="ctr">
-            <a:normAutofit lnSpcReduction="10000"/>
+          <a:bodyPr>
+            <a:normAutofit/>
           </a:bodyPr>
           <a:lstStyle/>
-          <a:p>
-            <a:endParaRPr lang="en-US" dirty="0">
-              <a:solidFill>
-                <a:schemeClr val="tx1"/>
-              </a:solidFill>
-            </a:endParaRPr>
-          </a:p>
-          <a:p>
-            <a:endParaRPr lang="en-US" dirty="0">
-              <a:solidFill>
-                <a:schemeClr val="tx1"/>
-              </a:solidFill>
-            </a:endParaRPr>
-          </a:p>
           <a:p>
             <a:r>
               <a:rPr lang="en-US" dirty="0">
@@ -21655,10 +21552,33 @@
                   <a:schemeClr val="tx1"/>
                 </a:solidFill>
               </a:rPr>
-              <a:t>34th and Penn Station – 3 locations for Amazon</a:t>
+              <a:t>One Street Team at each location</a:t>
             </a:r>
           </a:p>
           <a:p>
+            <a:pPr lvl="1"/>
+            <a:r>
+              <a:rPr lang="en-US" dirty="0">
+                <a:solidFill>
+                  <a:schemeClr val="tx1"/>
+                </a:solidFill>
+              </a:rPr>
+              <a:t>34th and Penn Station  –  overall busiest and 4 Amazon Offices in the area</a:t>
+            </a:r>
+          </a:p>
+          <a:p>
+            <a:pPr lvl="1"/>
+            <a:r>
+              <a:rPr lang="en-US" dirty="0">
+                <a:solidFill>
+                  <a:schemeClr val="tx1"/>
+                </a:solidFill>
+              </a:rPr>
+              <a:t>14 St / 6 AV – the only location for Apple and 1 location for Netflix</a:t>
+            </a:r>
+          </a:p>
+          <a:p>
+            <a:pPr lvl="1"/>
             <a:r>
               <a:rPr lang="en-US" dirty="0">
                 <a:solidFill>
@@ -21669,6 +21589,7 @@
             </a:r>
           </a:p>
           <a:p>
+            <a:pPr lvl="1"/>
             <a:r>
               <a:rPr lang="en-US" dirty="0">
                 <a:solidFill>
@@ -21679,16 +21600,7 @@
             </a:r>
           </a:p>
           <a:p>
-            <a:r>
-              <a:rPr lang="en-US" dirty="0">
-                <a:solidFill>
-                  <a:schemeClr val="tx1"/>
-                </a:solidFill>
-              </a:rPr>
-              <a:t>14 St Union Sq – 1 location for Facebook, 1 for Netflix</a:t>
-            </a:r>
-          </a:p>
-          <a:p>
+            <a:pPr lvl="1"/>
             <a:r>
               <a:rPr lang="en-US" dirty="0">
                 <a:solidFill>
@@ -21700,44 +21612,16 @@
           </a:p>
           <a:p>
             <a:r>
-              <a:rPr lang="en-US" dirty="0">
-                <a:solidFill>
-                  <a:schemeClr val="tx1"/>
-                </a:solidFill>
-              </a:rPr>
-              <a:t>14 St / 6 AV – the only location for Apple and 1 location for Netflix</a:t>
+              <a:rPr lang="en-US" dirty="0"/>
+              <a:t>Covers the Big Tech Office Locations</a:t>
             </a:r>
-          </a:p>
-          <a:p>
-            <a:r>
-              <a:rPr lang="en-US" dirty="0">
-                <a:solidFill>
-                  <a:schemeClr val="tx1"/>
-                </a:solidFill>
-              </a:rPr>
-              <a:t>18 Street Station – 2 locations for Google and 1 for Netflix</a:t>
-            </a:r>
-          </a:p>
-          <a:p>
-            <a:endParaRPr lang="en-US" dirty="0">
-              <a:solidFill>
-                <a:schemeClr val="tx1"/>
-              </a:solidFill>
-            </a:endParaRPr>
-          </a:p>
-          <a:p>
-            <a:endParaRPr lang="en-US" dirty="0">
-              <a:solidFill>
-                <a:schemeClr val="tx1"/>
-              </a:solidFill>
-            </a:endParaRPr>
           </a:p>
         </p:txBody>
       </p:sp>
     </p:spTree>
     <p:extLst>
       <p:ext uri="{BB962C8B-B14F-4D97-AF65-F5344CB8AC3E}">
-        <p14:creationId xmlns:p14="http://schemas.microsoft.com/office/powerpoint/2010/main" val="3362099097"/>
+        <p14:creationId xmlns:p14="http://schemas.microsoft.com/office/powerpoint/2010/main" val="53893588"/>
       </p:ext>
     </p:extLst>
   </p:cSld>
@@ -21748,493 +21632,6 @@
 </file>
 
 <file path=ppt/slides/slide8.xml><?xml version="1.0" encoding="utf-8"?>
-<p:sld xmlns:a="http://schemas.openxmlformats.org/drawingml/2006/main" xmlns:r="http://schemas.openxmlformats.org/officeDocument/2006/relationships" xmlns:p="http://schemas.openxmlformats.org/presentationml/2006/main">
-  <p:cSld>
-    <p:bg>
-      <p:bgPr>
-        <a:blipFill rotWithShape="1">
-          <a:blip r:embed="rId2">
-            <a:duotone>
-              <a:schemeClr val="bg2">
-                <a:shade val="69000"/>
-                <a:hueMod val="91000"/>
-                <a:satMod val="164000"/>
-                <a:lumMod val="74000"/>
-              </a:schemeClr>
-              <a:schemeClr val="bg2">
-                <a:hueMod val="124000"/>
-                <a:satMod val="140000"/>
-                <a:lumMod val="142000"/>
-              </a:schemeClr>
-            </a:duotone>
-          </a:blip>
-          <a:stretch/>
-        </a:blipFill>
-        <a:effectLst/>
-      </p:bgPr>
-    </p:bg>
-    <p:spTree>
-      <p:nvGrpSpPr>
-        <p:cNvPr id="1" name=""/>
-        <p:cNvGrpSpPr/>
-        <p:nvPr/>
-      </p:nvGrpSpPr>
-      <p:grpSpPr>
-        <a:xfrm>
-          <a:off x="0" y="0"/>
-          <a:ext cx="0" cy="0"/>
-          <a:chOff x="0" y="0"/>
-          <a:chExt cx="0" cy="0"/>
-        </a:xfrm>
-      </p:grpSpPr>
-      <p:sp useBgFill="1">
-        <p:nvSpPr>
-          <p:cNvPr id="8" name="Rectangle 7">
-            <a:extLst>
-              <a:ext uri="{FF2B5EF4-FFF2-40B4-BE49-F238E27FC236}">
-                <a16:creationId xmlns:a16="http://schemas.microsoft.com/office/drawing/2014/main" id="{C314C310-850D-4491-AA52-C75BEA68B68C}"/>
-              </a:ext>
-              <a:ext uri="{C183D7F6-B498-43B3-948B-1728B52AA6E4}">
-                <adec:decorative xmlns:adec="http://schemas.microsoft.com/office/drawing/2017/decorative" val="1"/>
-              </a:ext>
-            </a:extLst>
-          </p:cNvPr>
-          <p:cNvSpPr>
-            <a:spLocks noGrp="1" noRot="1" noChangeAspect="1" noMove="1" noResize="1" noEditPoints="1" noAdjustHandles="1" noChangeArrowheads="1" noChangeShapeType="1" noTextEdit="1"/>
-          </p:cNvSpPr>
-          <p:nvPr>
-            <p:extLst>
-              <p:ext uri="{386F3935-93C4-4BCD-93E2-E3B085C9AB24}">
-                <p16:designElem xmlns:p16="http://schemas.microsoft.com/office/powerpoint/2015/main" val="1"/>
-              </p:ext>
-            </p:extLst>
-          </p:nvPr>
-        </p:nvSpPr>
-        <p:spPr>
-          <a:xfrm>
-            <a:off x="0" y="0"/>
-            <a:ext cx="12192000" cy="6858000"/>
-          </a:xfrm>
-          <a:prstGeom prst="rect">
-            <a:avLst/>
-          </a:prstGeom>
-          <a:ln>
-            <a:noFill/>
-          </a:ln>
-        </p:spPr>
-        <p:style>
-          <a:lnRef idx="2">
-            <a:schemeClr val="accent1">
-              <a:shade val="50000"/>
-            </a:schemeClr>
-          </a:lnRef>
-          <a:fillRef idx="1">
-            <a:schemeClr val="accent1"/>
-          </a:fillRef>
-          <a:effectRef idx="0">
-            <a:schemeClr val="accent1"/>
-          </a:effectRef>
-          <a:fontRef idx="minor">
-            <a:schemeClr val="lt1"/>
-          </a:fontRef>
-        </p:style>
-        <p:txBody>
-          <a:bodyPr rtlCol="0" anchor="ctr"/>
-          <a:lstStyle/>
-          <a:p>
-            <a:pPr algn="ctr"/>
-            <a:endParaRPr lang="en-US"/>
-          </a:p>
-        </p:txBody>
-      </p:sp>
-      <p:grpSp>
-        <p:nvGrpSpPr>
-          <p:cNvPr id="10" name="Group 9">
-            <a:extLst>
-              <a:ext uri="{FF2B5EF4-FFF2-40B4-BE49-F238E27FC236}">
-                <a16:creationId xmlns:a16="http://schemas.microsoft.com/office/drawing/2014/main" id="{D4EC3799-3F52-48CE-85CC-83AED368EB42}"/>
-              </a:ext>
-              <a:ext uri="{C183D7F6-B498-43B3-948B-1728B52AA6E4}">
-                <adec:decorative xmlns:adec="http://schemas.microsoft.com/office/drawing/2017/decorative" val="1"/>
-              </a:ext>
-            </a:extLst>
-          </p:cNvPr>
-          <p:cNvGrpSpPr>
-            <a:grpSpLocks noGrp="1" noUngrp="1" noRot="1" noChangeAspect="1" noMove="1" noResize="1"/>
-          </p:cNvGrpSpPr>
-          <p:nvPr>
-            <p:extLst>
-              <p:ext uri="{386F3935-93C4-4BCD-93E2-E3B085C9AB24}">
-                <p16:designElem xmlns:p16="http://schemas.microsoft.com/office/powerpoint/2015/main" val="1"/>
-              </p:ext>
-            </p:extLst>
-          </p:nvPr>
-        </p:nvGrpSpPr>
-        <p:grpSpPr>
-          <a:xfrm>
-            <a:off x="0" y="0"/>
-            <a:ext cx="12192000" cy="6858000"/>
-            <a:chOff x="0" y="0"/>
-            <a:chExt cx="12192000" cy="6858000"/>
-          </a:xfrm>
-        </p:grpSpPr>
-        <p:sp>
-          <p:nvSpPr>
-            <p:cNvPr id="11" name="Rectangle 10">
-              <a:extLst>
-                <a:ext uri="{FF2B5EF4-FFF2-40B4-BE49-F238E27FC236}">
-                  <a16:creationId xmlns:a16="http://schemas.microsoft.com/office/drawing/2014/main" id="{F3FC2939-BF10-4CBC-904B-74A17D4B9C35}"/>
-                </a:ext>
-                <a:ext uri="{C183D7F6-B498-43B3-948B-1728B52AA6E4}">
-                  <adec:decorative xmlns:adec="http://schemas.microsoft.com/office/drawing/2017/decorative" val="1"/>
-                </a:ext>
-              </a:extLst>
-            </p:cNvPr>
-            <p:cNvSpPr/>
-            <p:nvPr>
-              <p:extLst>
-                <p:ext uri="{386F3935-93C4-4BCD-93E2-E3B085C9AB24}">
-                  <p16:designElem xmlns:p16="http://schemas.microsoft.com/office/powerpoint/2015/main" val="1"/>
-                </p:ext>
-              </p:extLst>
-            </p:nvPr>
-          </p:nvSpPr>
-          <p:spPr>
-            <a:xfrm>
-              <a:off x="0" y="0"/>
-              <a:ext cx="12192000" cy="6858000"/>
-            </a:xfrm>
-            <a:prstGeom prst="rect">
-              <a:avLst/>
-            </a:prstGeom>
-            <a:noFill/>
-            <a:ln>
-              <a:noFill/>
-            </a:ln>
-          </p:spPr>
-          <p:style>
-            <a:lnRef idx="2">
-              <a:schemeClr val="accent1">
-                <a:shade val="50000"/>
-              </a:schemeClr>
-            </a:lnRef>
-            <a:fillRef idx="1">
-              <a:schemeClr val="accent1"/>
-            </a:fillRef>
-            <a:effectRef idx="0">
-              <a:schemeClr val="accent1"/>
-            </a:effectRef>
-            <a:fontRef idx="minor">
-              <a:schemeClr val="lt1"/>
-            </a:fontRef>
-          </p:style>
-        </p:sp>
-        <p:sp>
-          <p:nvSpPr>
-            <p:cNvPr id="12" name="Freeform 5">
-              <a:extLst>
-                <a:ext uri="{FF2B5EF4-FFF2-40B4-BE49-F238E27FC236}">
-                  <a16:creationId xmlns:a16="http://schemas.microsoft.com/office/drawing/2014/main" id="{266B6D5D-11B6-40A6-9CEF-F0B0D104C5C6}"/>
-                </a:ext>
-                <a:ext uri="{C183D7F6-B498-43B3-948B-1728B52AA6E4}">
-                  <adec:decorative xmlns:adec="http://schemas.microsoft.com/office/drawing/2017/decorative" val="1"/>
-                </a:ext>
-              </a:extLst>
-            </p:cNvPr>
-            <p:cNvSpPr>
-              <a:spLocks noEditPoints="1"/>
-            </p:cNvSpPr>
-            <p:nvPr>
-              <p:extLst>
-                <p:ext uri="{386F3935-93C4-4BCD-93E2-E3B085C9AB24}">
-                  <p16:designElem xmlns:p16="http://schemas.microsoft.com/office/powerpoint/2015/main" val="1"/>
-                </p:ext>
-              </p:extLst>
-            </p:nvPr>
-          </p:nvSpPr>
-          <p:spPr bwMode="gray">
-            <a:xfrm>
-              <a:off x="0" y="1587"/>
-              <a:ext cx="12192000" cy="6856413"/>
-            </a:xfrm>
-            <a:custGeom>
-              <a:avLst/>
-              <a:gdLst/>
-              <a:ahLst/>
-              <a:cxnLst/>
-              <a:rect l="0" t="0" r="r" b="b"/>
-              <a:pathLst>
-                <a:path w="15356" h="8638">
-                  <a:moveTo>
-                    <a:pt x="0" y="0"/>
-                  </a:moveTo>
-                  <a:lnTo>
-                    <a:pt x="0" y="8638"/>
-                  </a:lnTo>
-                  <a:lnTo>
-                    <a:pt x="15356" y="8638"/>
-                  </a:lnTo>
-                  <a:lnTo>
-                    <a:pt x="15356" y="0"/>
-                  </a:lnTo>
-                  <a:lnTo>
-                    <a:pt x="0" y="0"/>
-                  </a:lnTo>
-                  <a:close/>
-                  <a:moveTo>
-                    <a:pt x="14748" y="8038"/>
-                  </a:moveTo>
-                  <a:lnTo>
-                    <a:pt x="600" y="8038"/>
-                  </a:lnTo>
-                  <a:lnTo>
-                    <a:pt x="600" y="592"/>
-                  </a:lnTo>
-                  <a:lnTo>
-                    <a:pt x="14748" y="592"/>
-                  </a:lnTo>
-                  <a:lnTo>
-                    <a:pt x="14748" y="8038"/>
-                  </a:lnTo>
-                  <a:close/>
-                </a:path>
-              </a:pathLst>
-            </a:custGeom>
-            <a:solidFill>
-              <a:schemeClr val="tx1"/>
-            </a:solidFill>
-            <a:ln>
-              <a:noFill/>
-            </a:ln>
-          </p:spPr>
-        </p:sp>
-      </p:grpSp>
-      <p:sp>
-        <p:nvSpPr>
-          <p:cNvPr id="2" name="Title 1">
-            <a:extLst>
-              <a:ext uri="{FF2B5EF4-FFF2-40B4-BE49-F238E27FC236}">
-                <a16:creationId xmlns:a16="http://schemas.microsoft.com/office/drawing/2014/main" id="{EAB7F322-F911-B749-8FAD-942CFC80F40D}"/>
-              </a:ext>
-            </a:extLst>
-          </p:cNvPr>
-          <p:cNvSpPr>
-            <a:spLocks noGrp="1"/>
-          </p:cNvSpPr>
-          <p:nvPr>
-            <p:ph type="title"/>
-          </p:nvPr>
-        </p:nvSpPr>
-        <p:spPr>
-          <a:xfrm>
-            <a:off x="836247" y="1085549"/>
-            <a:ext cx="3430947" cy="4686903"/>
-          </a:xfrm>
-        </p:spPr>
-        <p:txBody>
-          <a:bodyPr anchor="ctr">
-            <a:normAutofit/>
-          </a:bodyPr>
-          <a:lstStyle/>
-          <a:p>
-            <a:pPr algn="r"/>
-            <a:r>
-              <a:rPr lang="en-US">
-                <a:solidFill>
-                  <a:schemeClr val="tx1"/>
-                </a:solidFill>
-              </a:rPr>
-              <a:t>Further Analysis to Improve Outcomes</a:t>
-            </a:r>
-          </a:p>
-        </p:txBody>
-      </p:sp>
-      <p:cxnSp>
-        <p:nvCxnSpPr>
-          <p:cNvPr id="14" name="Straight Connector 13">
-            <a:extLst>
-              <a:ext uri="{FF2B5EF4-FFF2-40B4-BE49-F238E27FC236}">
-                <a16:creationId xmlns:a16="http://schemas.microsoft.com/office/drawing/2014/main" id="{789E20C7-BB50-4317-93C7-90C8ED80B275}"/>
-              </a:ext>
-              <a:ext uri="{C183D7F6-B498-43B3-948B-1728B52AA6E4}">
-                <adec:decorative xmlns:adec="http://schemas.microsoft.com/office/drawing/2017/decorative" val="1"/>
-              </a:ext>
-            </a:extLst>
-          </p:cNvPr>
-          <p:cNvCxnSpPr>
-            <a:cxnSpLocks noGrp="1" noRot="1" noChangeAspect="1" noMove="1" noResize="1" noEditPoints="1" noAdjustHandles="1" noChangeArrowheads="1" noChangeShapeType="1"/>
-          </p:cNvCxnSpPr>
-          <p:nvPr>
-            <p:extLst>
-              <p:ext uri="{386F3935-93C4-4BCD-93E2-E3B085C9AB24}">
-                <p16:designElem xmlns:p16="http://schemas.microsoft.com/office/powerpoint/2015/main" val="1"/>
-              </p:ext>
-            </p:extLst>
-          </p:nvPr>
-        </p:nvCxnSpPr>
-        <p:spPr>
-          <a:xfrm>
-            <a:off x="4654296" y="1930986"/>
-            <a:ext cx="0" cy="3200400"/>
-          </a:xfrm>
-          <a:prstGeom prst="line">
-            <a:avLst/>
-          </a:prstGeom>
-          <a:ln w="15875" cap="sq">
-            <a:solidFill>
-              <a:schemeClr val="tx1"/>
-            </a:solidFill>
-            <a:miter lim="800000"/>
-          </a:ln>
-        </p:spPr>
-        <p:style>
-          <a:lnRef idx="1">
-            <a:schemeClr val="accent1"/>
-          </a:lnRef>
-          <a:fillRef idx="0">
-            <a:schemeClr val="accent1"/>
-          </a:fillRef>
-          <a:effectRef idx="0">
-            <a:schemeClr val="accent1"/>
-          </a:effectRef>
-          <a:fontRef idx="minor">
-            <a:schemeClr val="tx1"/>
-          </a:fontRef>
-        </p:style>
-      </p:cxnSp>
-      <p:sp>
-        <p:nvSpPr>
-          <p:cNvPr id="3" name="Content Placeholder 2">
-            <a:extLst>
-              <a:ext uri="{FF2B5EF4-FFF2-40B4-BE49-F238E27FC236}">
-                <a16:creationId xmlns:a16="http://schemas.microsoft.com/office/drawing/2014/main" id="{59ABB5F7-8345-AA42-8076-EA23BFC1B08E}"/>
-              </a:ext>
-            </a:extLst>
-          </p:cNvPr>
-          <p:cNvSpPr>
-            <a:spLocks noGrp="1"/>
-          </p:cNvSpPr>
-          <p:nvPr>
-            <p:ph idx="1"/>
-          </p:nvPr>
-        </p:nvSpPr>
-        <p:spPr>
-          <a:xfrm>
-            <a:off x="5041399" y="1085549"/>
-            <a:ext cx="5579707" cy="4686903"/>
-          </a:xfrm>
-        </p:spPr>
-        <p:txBody>
-          <a:bodyPr anchor="ctr">
-            <a:normAutofit fontScale="92500" lnSpcReduction="10000"/>
-          </a:bodyPr>
-          <a:lstStyle/>
-          <a:p>
-            <a:r>
-              <a:rPr lang="en-US" sz="1700" dirty="0">
-                <a:solidFill>
-                  <a:schemeClr val="tx1"/>
-                </a:solidFill>
-              </a:rPr>
-              <a:t>Start Up Tech Company Analysis similar to the Big Tech analysis, in order to ensure a diverse group is reached</a:t>
-            </a:r>
-          </a:p>
-          <a:p>
-            <a:r>
-              <a:rPr lang="en-US" sz="1700" dirty="0">
-                <a:solidFill>
-                  <a:schemeClr val="tx1"/>
-                </a:solidFill>
-              </a:rPr>
-              <a:t>Further Data Segmentation</a:t>
-            </a:r>
-          </a:p>
-          <a:p>
-            <a:pPr lvl="1"/>
-            <a:r>
-              <a:rPr lang="en-US" sz="1700" dirty="0">
-                <a:solidFill>
-                  <a:schemeClr val="tx1"/>
-                </a:solidFill>
-              </a:rPr>
-              <a:t>Segment the data into time intervals of am, pm and lunch intervals to the traffic patterns to further fine tune high traffic times</a:t>
-            </a:r>
-          </a:p>
-          <a:p>
-            <a:pPr lvl="1"/>
-            <a:r>
-              <a:rPr lang="en-US" sz="1700" dirty="0">
-                <a:solidFill>
-                  <a:schemeClr val="tx1"/>
-                </a:solidFill>
-              </a:rPr>
-              <a:t>Days/Weeks/Months - Include graphs for days of the week, weeks of the month and months of the year to determine traffic peaks and valleys</a:t>
-            </a:r>
-          </a:p>
-          <a:p>
-            <a:r>
-              <a:rPr lang="en-US" sz="1700" dirty="0">
-                <a:solidFill>
-                  <a:schemeClr val="tx1"/>
-                </a:solidFill>
-              </a:rPr>
-              <a:t>Additional Data Sources</a:t>
-            </a:r>
-          </a:p>
-          <a:p>
-            <a:pPr lvl="1"/>
-            <a:r>
-              <a:rPr lang="en-US" sz="1700" dirty="0">
-                <a:solidFill>
-                  <a:schemeClr val="tx1"/>
-                </a:solidFill>
-              </a:rPr>
-              <a:t>Commercial Real Estate Data, connect to MTA data for easier updates for use in </a:t>
-            </a:r>
-            <a:r>
-              <a:rPr lang="en-US" sz="1700" dirty="0" err="1">
-                <a:solidFill>
-                  <a:schemeClr val="tx1"/>
-                </a:solidFill>
-              </a:rPr>
-              <a:t>futuer</a:t>
-            </a:r>
-            <a:r>
-              <a:rPr lang="en-US" sz="1700" dirty="0">
-                <a:solidFill>
-                  <a:schemeClr val="tx1"/>
-                </a:solidFill>
-              </a:rPr>
-              <a:t> WTWY event planning</a:t>
-            </a:r>
-          </a:p>
-          <a:p>
-            <a:pPr lvl="1"/>
-            <a:r>
-              <a:rPr lang="en-US" sz="1700" dirty="0">
-                <a:solidFill>
-                  <a:schemeClr val="tx1"/>
-                </a:solidFill>
-              </a:rPr>
-              <a:t>Mapping software to improve proximity of station entrances to tech companies</a:t>
-            </a:r>
-          </a:p>
-        </p:txBody>
-      </p:sp>
-    </p:spTree>
-    <p:extLst>
-      <p:ext uri="{BB962C8B-B14F-4D97-AF65-F5344CB8AC3E}">
-        <p14:creationId xmlns:p14="http://schemas.microsoft.com/office/powerpoint/2010/main" val="2091219446"/>
-      </p:ext>
-    </p:extLst>
-  </p:cSld>
-  <p:clrMapOvr>
-    <a:overrideClrMapping bg1="dk1" tx1="lt1" bg2="dk2" tx2="lt2" accent1="accent1" accent2="accent2" accent3="accent3" accent4="accent4" accent5="accent5" accent6="accent6" hlink="hlink" folHlink="folHlink"/>
-  </p:clrMapOvr>
-</p:sld>
-</file>
-
-<file path=ppt/slides/slide9.xml><?xml version="1.0" encoding="utf-8"?>
 <p:sld xmlns:a="http://schemas.openxmlformats.org/drawingml/2006/main" xmlns:r="http://schemas.openxmlformats.org/officeDocument/2006/relationships" xmlns:p="http://schemas.openxmlformats.org/presentationml/2006/main">
   <p:cSld>
     <p:bg>
@@ -23125,16 +22522,6 @@
           <a:lstStyle/>
           <a:p>
             <a:r>
-              <a:rPr lang="en-US" dirty="0">
-                <a:solidFill>
-                  <a:schemeClr val="tx1"/>
-                </a:solidFill>
-              </a:rPr>
-              <a:t>FINSMES Article published Sep 5, 2018 </a:t>
-            </a:r>
-          </a:p>
-          <a:p>
-            <a:r>
               <a:rPr lang="en-US" i="1" dirty="0">
                 <a:solidFill>
                   <a:schemeClr val="tx1"/>
@@ -23149,6 +22536,21 @@
               <a:rPr lang="en-US" dirty="0"/>
               <a:t>“NYC stands out as one of the most diverse business scenes in the world: 19% of founders are women, compared to the 16% global average, and 25% are immigrant founders, compared to the 19% global average.”</a:t>
             </a:r>
+          </a:p>
+          <a:p>
+            <a:pPr fontAlgn="base"/>
+            <a:r>
+              <a:rPr lang="en-US" i="1" dirty="0">
+                <a:solidFill>
+                  <a:schemeClr val="tx1"/>
+                </a:solidFill>
+              </a:rPr>
+              <a:t>FINSMES Article published Sep 5, 2018 </a:t>
+            </a:r>
+          </a:p>
+          <a:p>
+            <a:pPr fontAlgn="base"/>
+            <a:endParaRPr lang="en-US" dirty="0"/>
           </a:p>
         </p:txBody>
       </p:sp>
@@ -23411,6 +22813,54 @@
           </a:prstGeom>
         </p:spPr>
       </p:pic>
+      <p:sp>
+        <p:nvSpPr>
+          <p:cNvPr id="4" name="Rectangle 3">
+            <a:extLst>
+              <a:ext uri="{FF2B5EF4-FFF2-40B4-BE49-F238E27FC236}">
+                <a16:creationId xmlns:a16="http://schemas.microsoft.com/office/drawing/2014/main" id="{D64E4FBB-4562-8F4D-A9EE-A6F479168A3E}"/>
+              </a:ext>
+            </a:extLst>
+          </p:cNvPr>
+          <p:cNvSpPr/>
+          <p:nvPr/>
+        </p:nvSpPr>
+        <p:spPr>
+          <a:xfrm>
+            <a:off x="4790188" y="400577"/>
+            <a:ext cx="4452135" cy="738664"/>
+          </a:xfrm>
+          <a:prstGeom prst="rect">
+            <a:avLst/>
+          </a:prstGeom>
+        </p:spPr>
+        <p:txBody>
+          <a:bodyPr wrap="square">
+            <a:spAutoFit/>
+          </a:bodyPr>
+          <a:lstStyle/>
+          <a:p>
+            <a:r>
+              <a:rPr lang="en-US" sz="2400" b="1" dirty="0">
+                <a:solidFill>
+                  <a:schemeClr val="bg2"/>
+                </a:solidFill>
+              </a:rPr>
+              <a:t>Max # of Street Teams = 35</a:t>
+            </a:r>
+          </a:p>
+          <a:p>
+            <a:r>
+              <a:rPr lang="en-US" b="1" i="1" dirty="0">
+                <a:solidFill>
+                  <a:schemeClr val="bg2"/>
+                </a:solidFill>
+              </a:rPr>
+              <a:t>		15 Big Tech + 20 Start Ups </a:t>
+            </a:r>
+          </a:p>
+        </p:txBody>
+      </p:sp>
     </p:spTree>
     <p:extLst>
       <p:ext uri="{BB962C8B-B14F-4D97-AF65-F5344CB8AC3E}">
@@ -23420,6 +22870,702 @@
   </p:cSld>
   <p:clrMapOvr>
     <a:overrideClrMapping bg1="dk1" tx1="lt1" bg2="dk2" tx2="lt2" accent1="accent1" accent2="accent2" accent3="accent3" accent4="accent4" accent5="accent5" accent6="accent6" hlink="hlink" folHlink="folHlink"/>
+  </p:clrMapOvr>
+</p:sld>
+</file>
+
+<file path=ppt/slides/slide9.xml><?xml version="1.0" encoding="utf-8"?>
+<p:sld xmlns:a="http://schemas.openxmlformats.org/drawingml/2006/main" xmlns:r="http://schemas.openxmlformats.org/officeDocument/2006/relationships" xmlns:p="http://schemas.openxmlformats.org/presentationml/2006/main">
+  <p:cSld>
+    <p:bg>
+      <p:bgPr>
+        <a:solidFill>
+          <a:schemeClr val="bg1"/>
+        </a:solidFill>
+        <a:effectLst/>
+      </p:bgPr>
+    </p:bg>
+    <p:spTree>
+      <p:nvGrpSpPr>
+        <p:cNvPr id="1" name=""/>
+        <p:cNvGrpSpPr/>
+        <p:nvPr/>
+      </p:nvGrpSpPr>
+      <p:grpSpPr>
+        <a:xfrm>
+          <a:off x="0" y="0"/>
+          <a:ext cx="0" cy="0"/>
+          <a:chOff x="0" y="0"/>
+          <a:chExt cx="0" cy="0"/>
+        </a:xfrm>
+      </p:grpSpPr>
+      <p:sp useBgFill="1">
+        <p:nvSpPr>
+          <p:cNvPr id="8" name="Rectangle 7">
+            <a:extLst>
+              <a:ext uri="{FF2B5EF4-FFF2-40B4-BE49-F238E27FC236}">
+                <a16:creationId xmlns:a16="http://schemas.microsoft.com/office/drawing/2014/main" id="{B219AE65-9B94-44EA-BEF3-EF4BFA169C81}"/>
+              </a:ext>
+              <a:ext uri="{C183D7F6-B498-43B3-948B-1728B52AA6E4}">
+                <adec:decorative xmlns:adec="http://schemas.microsoft.com/office/drawing/2017/decorative" val="1"/>
+              </a:ext>
+            </a:extLst>
+          </p:cNvPr>
+          <p:cNvSpPr>
+            <a:spLocks noGrp="1" noRot="1" noChangeAspect="1" noMove="1" noResize="1" noEditPoints="1" noAdjustHandles="1" noChangeArrowheads="1" noChangeShapeType="1" noTextEdit="1"/>
+          </p:cNvSpPr>
+          <p:nvPr>
+            <p:extLst>
+              <p:ext uri="{386F3935-93C4-4BCD-93E2-E3B085C9AB24}">
+                <p16:designElem xmlns:p16="http://schemas.microsoft.com/office/powerpoint/2015/main" val="1"/>
+              </p:ext>
+            </p:extLst>
+          </p:nvPr>
+        </p:nvSpPr>
+        <p:spPr>
+          <a:xfrm>
+            <a:off x="0" y="0"/>
+            <a:ext cx="12192000" cy="6858000"/>
+          </a:xfrm>
+          <a:prstGeom prst="rect">
+            <a:avLst/>
+          </a:prstGeom>
+          <a:ln>
+            <a:noFill/>
+          </a:ln>
+        </p:spPr>
+        <p:style>
+          <a:lnRef idx="2">
+            <a:schemeClr val="accent1">
+              <a:shade val="50000"/>
+            </a:schemeClr>
+          </a:lnRef>
+          <a:fillRef idx="1">
+            <a:schemeClr val="accent1"/>
+          </a:fillRef>
+          <a:effectRef idx="0">
+            <a:schemeClr val="accent1"/>
+          </a:effectRef>
+          <a:fontRef idx="minor">
+            <a:schemeClr val="lt1"/>
+          </a:fontRef>
+        </p:style>
+        <p:txBody>
+          <a:bodyPr rtlCol="0" anchor="ctr"/>
+          <a:lstStyle/>
+          <a:p>
+            <a:pPr algn="ctr"/>
+            <a:endParaRPr lang="en-US"/>
+          </a:p>
+        </p:txBody>
+      </p:sp>
+      <p:sp>
+        <p:nvSpPr>
+          <p:cNvPr id="10" name="Rectangle 9">
+            <a:extLst>
+              <a:ext uri="{FF2B5EF4-FFF2-40B4-BE49-F238E27FC236}">
+                <a16:creationId xmlns:a16="http://schemas.microsoft.com/office/drawing/2014/main" id="{F0C81A57-9CD5-461B-8FFE-4A8CB6CFBE01}"/>
+              </a:ext>
+              <a:ext uri="{C183D7F6-B498-43B3-948B-1728B52AA6E4}">
+                <adec:decorative xmlns:adec="http://schemas.microsoft.com/office/drawing/2017/decorative" val="1"/>
+              </a:ext>
+            </a:extLst>
+          </p:cNvPr>
+          <p:cNvSpPr>
+            <a:spLocks noGrp="1" noRot="1" noChangeAspect="1" noMove="1" noResize="1" noEditPoints="1" noAdjustHandles="1" noChangeArrowheads="1" noChangeShapeType="1" noTextEdit="1"/>
+          </p:cNvSpPr>
+          <p:nvPr>
+            <p:extLst>
+              <p:ext uri="{386F3935-93C4-4BCD-93E2-E3B085C9AB24}">
+                <p16:designElem xmlns:p16="http://schemas.microsoft.com/office/powerpoint/2015/main" val="1"/>
+              </p:ext>
+            </p:extLst>
+          </p:nvPr>
+        </p:nvSpPr>
+        <p:spPr>
+          <a:xfrm>
+            <a:off x="11017539" y="467397"/>
+            <a:ext cx="695829" cy="5919116"/>
+          </a:xfrm>
+          <a:prstGeom prst="rect">
+            <a:avLst/>
+          </a:prstGeom>
+          <a:solidFill>
+            <a:schemeClr val="accent1"/>
+          </a:solidFill>
+          <a:ln>
+            <a:noFill/>
+          </a:ln>
+          <a:effectLst/>
+        </p:spPr>
+        <p:style>
+          <a:lnRef idx="1">
+            <a:schemeClr val="accent1"/>
+          </a:lnRef>
+          <a:fillRef idx="3">
+            <a:schemeClr val="accent1"/>
+          </a:fillRef>
+          <a:effectRef idx="2">
+            <a:schemeClr val="accent1"/>
+          </a:effectRef>
+          <a:fontRef idx="minor">
+            <a:schemeClr val="lt1"/>
+          </a:fontRef>
+        </p:style>
+      </p:sp>
+      <p:grpSp>
+        <p:nvGrpSpPr>
+          <p:cNvPr id="12" name="Group 11">
+            <a:extLst>
+              <a:ext uri="{FF2B5EF4-FFF2-40B4-BE49-F238E27FC236}">
+                <a16:creationId xmlns:a16="http://schemas.microsoft.com/office/drawing/2014/main" id="{3086C462-37F4-494D-8292-CCB95221CC1A}"/>
+              </a:ext>
+              <a:ext uri="{C183D7F6-B498-43B3-948B-1728B52AA6E4}">
+                <adec:decorative xmlns:adec="http://schemas.microsoft.com/office/drawing/2017/decorative" val="1"/>
+              </a:ext>
+            </a:extLst>
+          </p:cNvPr>
+          <p:cNvGrpSpPr>
+            <a:grpSpLocks noGrp="1" noUngrp="1" noRot="1" noChangeAspect="1" noMove="1" noResize="1"/>
+          </p:cNvGrpSpPr>
+          <p:nvPr>
+            <p:extLst>
+              <p:ext uri="{386F3935-93C4-4BCD-93E2-E3B085C9AB24}">
+                <p16:designElem xmlns:p16="http://schemas.microsoft.com/office/powerpoint/2015/main" val="1"/>
+              </p:ext>
+            </p:extLst>
+          </p:nvPr>
+        </p:nvGrpSpPr>
+        <p:grpSpPr>
+          <a:xfrm>
+            <a:off x="0" y="0"/>
+            <a:ext cx="12192000" cy="6858000"/>
+            <a:chOff x="0" y="0"/>
+            <a:chExt cx="12192000" cy="6858000"/>
+          </a:xfrm>
+          <a:solidFill>
+            <a:srgbClr val="FFFFFF"/>
+          </a:solidFill>
+        </p:grpSpPr>
+        <p:sp>
+          <p:nvSpPr>
+            <p:cNvPr id="13" name="Rectangle 12">
+              <a:extLst>
+                <a:ext uri="{FF2B5EF4-FFF2-40B4-BE49-F238E27FC236}">
+                  <a16:creationId xmlns:a16="http://schemas.microsoft.com/office/drawing/2014/main" id="{2C7D2D64-353F-4802-AA48-A70CE6020B93}"/>
+                </a:ext>
+                <a:ext uri="{C183D7F6-B498-43B3-948B-1728B52AA6E4}">
+                  <adec:decorative xmlns:adec="http://schemas.microsoft.com/office/drawing/2017/decorative" val="1"/>
+                </a:ext>
+              </a:extLst>
+            </p:cNvPr>
+            <p:cNvSpPr/>
+            <p:nvPr>
+              <p:extLst>
+                <p:ext uri="{386F3935-93C4-4BCD-93E2-E3B085C9AB24}">
+                  <p16:designElem xmlns:p16="http://schemas.microsoft.com/office/powerpoint/2015/main" val="1"/>
+                </p:ext>
+              </p:extLst>
+            </p:nvPr>
+          </p:nvSpPr>
+          <p:spPr>
+            <a:xfrm>
+              <a:off x="0" y="0"/>
+              <a:ext cx="12192000" cy="6858000"/>
+            </a:xfrm>
+            <a:prstGeom prst="rect">
+              <a:avLst/>
+            </a:prstGeom>
+            <a:noFill/>
+            <a:ln>
+              <a:noFill/>
+            </a:ln>
+          </p:spPr>
+          <p:style>
+            <a:lnRef idx="2">
+              <a:schemeClr val="accent1">
+                <a:shade val="50000"/>
+              </a:schemeClr>
+            </a:lnRef>
+            <a:fillRef idx="1">
+              <a:schemeClr val="accent1"/>
+            </a:fillRef>
+            <a:effectRef idx="0">
+              <a:schemeClr val="accent1"/>
+            </a:effectRef>
+            <a:fontRef idx="minor">
+              <a:schemeClr val="lt1"/>
+            </a:fontRef>
+          </p:style>
+        </p:sp>
+        <p:sp>
+          <p:nvSpPr>
+            <p:cNvPr id="14" name="Freeform 5">
+              <a:extLst>
+                <a:ext uri="{FF2B5EF4-FFF2-40B4-BE49-F238E27FC236}">
+                  <a16:creationId xmlns:a16="http://schemas.microsoft.com/office/drawing/2014/main" id="{30A6328F-CAA3-4052-BF4C-14BD47706E65}"/>
+                </a:ext>
+                <a:ext uri="{C183D7F6-B498-43B3-948B-1728B52AA6E4}">
+                  <adec:decorative xmlns:adec="http://schemas.microsoft.com/office/drawing/2017/decorative" val="1"/>
+                </a:ext>
+              </a:extLst>
+            </p:cNvPr>
+            <p:cNvSpPr>
+              <a:spLocks noEditPoints="1"/>
+            </p:cNvSpPr>
+            <p:nvPr>
+              <p:extLst>
+                <p:ext uri="{386F3935-93C4-4BCD-93E2-E3B085C9AB24}">
+                  <p16:designElem xmlns:p16="http://schemas.microsoft.com/office/powerpoint/2015/main" val="1"/>
+                </p:ext>
+              </p:extLst>
+            </p:nvPr>
+          </p:nvSpPr>
+          <p:spPr bwMode="gray">
+            <a:xfrm>
+              <a:off x="0" y="1587"/>
+              <a:ext cx="12192000" cy="6856413"/>
+            </a:xfrm>
+            <a:custGeom>
+              <a:avLst/>
+              <a:gdLst/>
+              <a:ahLst/>
+              <a:cxnLst/>
+              <a:rect l="0" t="0" r="r" b="b"/>
+              <a:pathLst>
+                <a:path w="15356" h="8638">
+                  <a:moveTo>
+                    <a:pt x="0" y="0"/>
+                  </a:moveTo>
+                  <a:lnTo>
+                    <a:pt x="0" y="8638"/>
+                  </a:lnTo>
+                  <a:lnTo>
+                    <a:pt x="15356" y="8638"/>
+                  </a:lnTo>
+                  <a:lnTo>
+                    <a:pt x="15356" y="0"/>
+                  </a:lnTo>
+                  <a:lnTo>
+                    <a:pt x="0" y="0"/>
+                  </a:lnTo>
+                  <a:close/>
+                  <a:moveTo>
+                    <a:pt x="14748" y="8038"/>
+                  </a:moveTo>
+                  <a:lnTo>
+                    <a:pt x="600" y="8038"/>
+                  </a:lnTo>
+                  <a:lnTo>
+                    <a:pt x="600" y="592"/>
+                  </a:lnTo>
+                  <a:lnTo>
+                    <a:pt x="14748" y="592"/>
+                  </a:lnTo>
+                  <a:lnTo>
+                    <a:pt x="14748" y="8038"/>
+                  </a:lnTo>
+                  <a:close/>
+                </a:path>
+              </a:pathLst>
+            </a:custGeom>
+            <a:ln>
+              <a:noFill/>
+            </a:ln>
+          </p:spPr>
+          <p:style>
+            <a:lnRef idx="0">
+              <a:scrgbClr r="0" g="0" b="0"/>
+            </a:lnRef>
+            <a:fillRef idx="1002">
+              <a:schemeClr val="dk2"/>
+            </a:fillRef>
+            <a:effectRef idx="0">
+              <a:scrgbClr r="0" g="0" b="0"/>
+            </a:effectRef>
+            <a:fontRef idx="major"/>
+          </p:style>
+        </p:sp>
+      </p:grpSp>
+      <p:sp>
+        <p:nvSpPr>
+          <p:cNvPr id="2" name="Title 1">
+            <a:extLst>
+              <a:ext uri="{FF2B5EF4-FFF2-40B4-BE49-F238E27FC236}">
+                <a16:creationId xmlns:a16="http://schemas.microsoft.com/office/drawing/2014/main" id="{8551B769-BB9A-5F43-B285-1FE7F8F9D7F3}"/>
+              </a:ext>
+            </a:extLst>
+          </p:cNvPr>
+          <p:cNvSpPr>
+            <a:spLocks noGrp="1"/>
+          </p:cNvSpPr>
+          <p:nvPr>
+            <p:ph type="title"/>
+          </p:nvPr>
+        </p:nvSpPr>
+        <p:spPr>
+          <a:xfrm>
+            <a:off x="1000372" y="1209957"/>
+            <a:ext cx="3034580" cy="4847505"/>
+          </a:xfrm>
+        </p:spPr>
+        <p:txBody>
+          <a:bodyPr anchor="ctr">
+            <a:normAutofit fontScale="90000"/>
+          </a:bodyPr>
+          <a:lstStyle/>
+          <a:p>
+            <a:pPr algn="r"/>
+            <a:r>
+              <a:rPr lang="en-US" sz="2200" dirty="0">
+                <a:solidFill>
+                  <a:schemeClr val="tx1"/>
+                </a:solidFill>
+              </a:rPr>
+              <a:t>Street Team Placement Recommendations</a:t>
+            </a:r>
+            <a:br>
+              <a:rPr lang="en-US" sz="2200" dirty="0">
+                <a:solidFill>
+                  <a:schemeClr val="tx1"/>
+                </a:solidFill>
+              </a:rPr>
+            </a:br>
+            <a:r>
+              <a:rPr lang="en-US" sz="2200" dirty="0">
+                <a:solidFill>
+                  <a:schemeClr val="tx1"/>
+                </a:solidFill>
+              </a:rPr>
+              <a:t>		for Big Tech</a:t>
+            </a:r>
+            <a:br>
+              <a:rPr lang="en-US" sz="2200" dirty="0">
+                <a:solidFill>
+                  <a:schemeClr val="tx1"/>
+                </a:solidFill>
+              </a:rPr>
+            </a:br>
+            <a:r>
+              <a:rPr lang="en-US" sz="2200" dirty="0">
+                <a:solidFill>
+                  <a:schemeClr val="tx1"/>
+                </a:solidFill>
+              </a:rPr>
+              <a:t> In Priority order</a:t>
+            </a:r>
+            <a:br>
+              <a:rPr lang="en-US" sz="2200" dirty="0">
+                <a:solidFill>
+                  <a:schemeClr val="tx1"/>
+                </a:solidFill>
+              </a:rPr>
+            </a:br>
+            <a:br>
+              <a:rPr lang="en-US" sz="2200" dirty="0">
+                <a:solidFill>
+                  <a:schemeClr val="tx1"/>
+                </a:solidFill>
+              </a:rPr>
+            </a:br>
+            <a:r>
+              <a:rPr lang="en-US" sz="2200" dirty="0">
+                <a:solidFill>
+                  <a:schemeClr val="tx1"/>
+                </a:solidFill>
+              </a:rPr>
+              <a:t>3 teams per location for top 2 locations</a:t>
+            </a:r>
+            <a:br>
+              <a:rPr lang="en-US" sz="2200" dirty="0">
+                <a:solidFill>
+                  <a:schemeClr val="tx1"/>
+                </a:solidFill>
+              </a:rPr>
+            </a:br>
+            <a:br>
+              <a:rPr lang="en-US" sz="2200" dirty="0">
+                <a:solidFill>
+                  <a:schemeClr val="tx1"/>
+                </a:solidFill>
+              </a:rPr>
+            </a:br>
+            <a:r>
+              <a:rPr lang="en-US" sz="2200" dirty="0">
+                <a:solidFill>
+                  <a:schemeClr val="tx1"/>
+                </a:solidFill>
+              </a:rPr>
+              <a:t>2 team for next 3 busiest stations and Apple location</a:t>
+            </a:r>
+            <a:br>
+              <a:rPr lang="en-US" sz="2200" dirty="0">
+                <a:solidFill>
+                  <a:schemeClr val="tx1"/>
+                </a:solidFill>
+              </a:rPr>
+            </a:br>
+            <a:br>
+              <a:rPr lang="en-US" sz="2200" dirty="0">
+                <a:solidFill>
+                  <a:schemeClr val="tx1"/>
+                </a:solidFill>
+              </a:rPr>
+            </a:br>
+            <a:r>
+              <a:rPr lang="en-US" sz="2200" dirty="0">
+                <a:solidFill>
+                  <a:schemeClr val="tx1"/>
+                </a:solidFill>
+              </a:rPr>
+              <a:t>1 team for remaining</a:t>
+            </a:r>
+            <a:br>
+              <a:rPr lang="en-US" sz="2200" dirty="0">
+                <a:solidFill>
+                  <a:schemeClr val="tx1"/>
+                </a:solidFill>
+              </a:rPr>
+            </a:br>
+            <a:r>
+              <a:rPr lang="en-US" sz="2200" dirty="0">
+                <a:solidFill>
+                  <a:schemeClr val="tx1"/>
+                </a:solidFill>
+              </a:rPr>
+              <a:t>1 location </a:t>
+            </a:r>
+          </a:p>
+        </p:txBody>
+      </p:sp>
+      <p:cxnSp>
+        <p:nvCxnSpPr>
+          <p:cNvPr id="16" name="Straight Connector 15">
+            <a:extLst>
+              <a:ext uri="{FF2B5EF4-FFF2-40B4-BE49-F238E27FC236}">
+                <a16:creationId xmlns:a16="http://schemas.microsoft.com/office/drawing/2014/main" id="{AD23B2CD-009B-425A-9616-1E1AD1D5AB46}"/>
+              </a:ext>
+              <a:ext uri="{C183D7F6-B498-43B3-948B-1728B52AA6E4}">
+                <adec:decorative xmlns:adec="http://schemas.microsoft.com/office/drawing/2017/decorative" val="1"/>
+              </a:ext>
+            </a:extLst>
+          </p:cNvPr>
+          <p:cNvCxnSpPr>
+            <a:cxnSpLocks noGrp="1" noRot="1" noChangeAspect="1" noMove="1" noResize="1" noEditPoints="1" noAdjustHandles="1" noChangeArrowheads="1" noChangeShapeType="1"/>
+          </p:cNvCxnSpPr>
+          <p:nvPr>
+            <p:extLst>
+              <p:ext uri="{386F3935-93C4-4BCD-93E2-E3B085C9AB24}">
+                <p16:designElem xmlns:p16="http://schemas.microsoft.com/office/powerpoint/2015/main" val="1"/>
+              </p:ext>
+            </p:extLst>
+          </p:nvPr>
+        </p:nvCxnSpPr>
+        <p:spPr>
+          <a:xfrm>
+            <a:off x="4356687" y="1930986"/>
+            <a:ext cx="0" cy="3200400"/>
+          </a:xfrm>
+          <a:prstGeom prst="line">
+            <a:avLst/>
+          </a:prstGeom>
+          <a:ln w="15875" cap="sq">
+            <a:solidFill>
+              <a:schemeClr val="tx2"/>
+            </a:solidFill>
+            <a:miter lim="800000"/>
+          </a:ln>
+        </p:spPr>
+        <p:style>
+          <a:lnRef idx="1">
+            <a:schemeClr val="accent1"/>
+          </a:lnRef>
+          <a:fillRef idx="0">
+            <a:schemeClr val="accent1"/>
+          </a:fillRef>
+          <a:effectRef idx="0">
+            <a:schemeClr val="accent1"/>
+          </a:effectRef>
+          <a:fontRef idx="minor">
+            <a:schemeClr val="tx1"/>
+          </a:fontRef>
+        </p:style>
+      </p:cxnSp>
+      <p:sp>
+        <p:nvSpPr>
+          <p:cNvPr id="3" name="Content Placeholder 2">
+            <a:extLst>
+              <a:ext uri="{FF2B5EF4-FFF2-40B4-BE49-F238E27FC236}">
+                <a16:creationId xmlns:a16="http://schemas.microsoft.com/office/drawing/2014/main" id="{1EBA0C49-B28B-F54A-8737-7ED8A70425F0}"/>
+              </a:ext>
+            </a:extLst>
+          </p:cNvPr>
+          <p:cNvSpPr>
+            <a:spLocks noGrp="1"/>
+          </p:cNvSpPr>
+          <p:nvPr>
+            <p:ph idx="1"/>
+          </p:nvPr>
+        </p:nvSpPr>
+        <p:spPr>
+          <a:xfrm>
+            <a:off x="4678424" y="1209957"/>
+            <a:ext cx="5738321" cy="4589018"/>
+          </a:xfrm>
+        </p:spPr>
+        <p:txBody>
+          <a:bodyPr anchor="ctr">
+            <a:normAutofit fontScale="92500" lnSpcReduction="10000"/>
+          </a:bodyPr>
+          <a:lstStyle/>
+          <a:p>
+            <a:endParaRPr lang="en-US" dirty="0">
+              <a:solidFill>
+                <a:schemeClr val="tx1"/>
+              </a:solidFill>
+            </a:endParaRPr>
+          </a:p>
+          <a:p>
+            <a:pPr marL="0" indent="0">
+              <a:buNone/>
+            </a:pPr>
+            <a:endParaRPr lang="en-US" dirty="0">
+              <a:solidFill>
+                <a:schemeClr val="tx1"/>
+              </a:solidFill>
+            </a:endParaRPr>
+          </a:p>
+          <a:p>
+            <a:r>
+              <a:rPr lang="en-US" dirty="0">
+                <a:solidFill>
+                  <a:schemeClr val="tx1"/>
+                </a:solidFill>
+              </a:rPr>
+              <a:t>34th and Penn Station – 3 locations for Amazon</a:t>
+            </a:r>
+          </a:p>
+          <a:p>
+            <a:r>
+              <a:rPr lang="en-US" dirty="0">
+                <a:solidFill>
+                  <a:schemeClr val="tx1"/>
+                </a:solidFill>
+              </a:rPr>
+              <a:t>23rd St – 2 locations for Netflix, 1 location for Facebook</a:t>
+            </a:r>
+          </a:p>
+          <a:p>
+            <a:r>
+              <a:rPr lang="en-US" dirty="0">
+                <a:solidFill>
+                  <a:schemeClr val="tx1"/>
+                </a:solidFill>
+              </a:rPr>
+              <a:t>34 Hudson Yards Station – 4 locations for Facebook, 1 for Amazon</a:t>
+            </a:r>
+          </a:p>
+          <a:p>
+            <a:r>
+              <a:rPr lang="en-US" dirty="0">
+                <a:solidFill>
+                  <a:schemeClr val="tx1"/>
+                </a:solidFill>
+              </a:rPr>
+              <a:t>14 St Union Sq – 1 location for Facebook, 1 for Netflix</a:t>
+            </a:r>
+          </a:p>
+          <a:p>
+            <a:r>
+              <a:rPr lang="en-US" dirty="0">
+                <a:solidFill>
+                  <a:schemeClr val="tx1"/>
+                </a:solidFill>
+              </a:rPr>
+              <a:t>14 St / 8 AV – 4 Locations for Google, 2 for Netflix</a:t>
+            </a:r>
+          </a:p>
+          <a:p>
+            <a:r>
+              <a:rPr lang="en-US" dirty="0">
+                <a:solidFill>
+                  <a:schemeClr val="tx1"/>
+                </a:solidFill>
+              </a:rPr>
+              <a:t>14 St / 6 AV – the only location for Apple and 1 location for Netflix</a:t>
+            </a:r>
+          </a:p>
+          <a:p>
+            <a:r>
+              <a:rPr lang="en-US" dirty="0">
+                <a:solidFill>
+                  <a:schemeClr val="tx1"/>
+                </a:solidFill>
+              </a:rPr>
+              <a:t>18 Street Station – 2 locations for Google and 1 for Netflix</a:t>
+            </a:r>
+          </a:p>
+          <a:p>
+            <a:endParaRPr lang="en-US" dirty="0">
+              <a:solidFill>
+                <a:schemeClr val="tx1"/>
+              </a:solidFill>
+            </a:endParaRPr>
+          </a:p>
+          <a:p>
+            <a:endParaRPr lang="en-US" dirty="0">
+              <a:solidFill>
+                <a:schemeClr val="tx1"/>
+              </a:solidFill>
+            </a:endParaRPr>
+          </a:p>
+        </p:txBody>
+      </p:sp>
+      <p:sp>
+        <p:nvSpPr>
+          <p:cNvPr id="4" name="TextBox 3">
+            <a:extLst>
+              <a:ext uri="{FF2B5EF4-FFF2-40B4-BE49-F238E27FC236}">
+                <a16:creationId xmlns:a16="http://schemas.microsoft.com/office/drawing/2014/main" id="{5496C5D5-3C19-AC46-B258-75BF2B0CB450}"/>
+              </a:ext>
+            </a:extLst>
+          </p:cNvPr>
+          <p:cNvSpPr txBox="1"/>
+          <p:nvPr/>
+        </p:nvSpPr>
+        <p:spPr>
+          <a:xfrm>
+            <a:off x="2861187" y="658761"/>
+            <a:ext cx="5889511" cy="461665"/>
+          </a:xfrm>
+          <a:prstGeom prst="rect">
+            <a:avLst/>
+          </a:prstGeom>
+          <a:noFill/>
+        </p:spPr>
+        <p:txBody>
+          <a:bodyPr wrap="square" rtlCol="0">
+            <a:spAutoFit/>
+          </a:bodyPr>
+          <a:lstStyle/>
+          <a:p>
+            <a:r>
+              <a:rPr lang="en-US" sz="2400" u="sng" dirty="0"/>
+              <a:t>Optimum # of Street Teams = 15 </a:t>
+            </a:r>
+            <a:endParaRPr lang="en-US" sz="2400" dirty="0"/>
+          </a:p>
+        </p:txBody>
+      </p:sp>
+    </p:spTree>
+    <p:extLst>
+      <p:ext uri="{BB962C8B-B14F-4D97-AF65-F5344CB8AC3E}">
+        <p14:creationId xmlns:p14="http://schemas.microsoft.com/office/powerpoint/2010/main" val="3362099097"/>
+      </p:ext>
+    </p:extLst>
+  </p:cSld>
+  <p:clrMapOvr>
+    <a:masterClrMapping/>
   </p:clrMapOvr>
 </p:sld>
 </file>
